--- a/ClientHTTP-WebApplication.pptx
+++ b/ClientHTTP-WebApplication.pptx
@@ -174,7 +174,7 @@
 <file path=ppt/revisionInfo.xml><?xml version="1.0" encoding="utf-8"?>
 <p1510:revInfo xmlns:a="http://schemas.openxmlformats.org/drawingml/2006/main" xmlns:r="http://schemas.openxmlformats.org/officeDocument/2006/relationships" xmlns:p1510="http://schemas.microsoft.com/office/powerpoint/2015/10/main">
   <p1510:revLst>
-    <p1510:client id="{A32F91DE-245B-40A4-8729-5576BEB9181D}" v="2" dt="2025-04-06T14:17:53.379"/>
+    <p1510:client id="{A32F91DE-245B-40A4-8729-5576BEB9181D}" v="11" dt="2025-04-08T10:43:14.821"/>
   </p1510:revLst>
 </p1510:revInfo>
 </file>
@@ -184,7 +184,7 @@
   <pc:docChgLst>
     <pc:chgData name="marco lorusso" userId="b3dd4102d78fdf22" providerId="LiveId" clId="{A32F91DE-245B-40A4-8729-5576BEB9181D}"/>
     <pc:docChg chg="undo redo custSel addSld modSld sldOrd">
-      <pc:chgData name="marco lorusso" userId="b3dd4102d78fdf22" providerId="LiveId" clId="{A32F91DE-245B-40A4-8729-5576BEB9181D}" dt="2025-04-06T21:13:01.784" v="205" actId="20577"/>
+      <pc:chgData name="marco lorusso" userId="b3dd4102d78fdf22" providerId="LiveId" clId="{A32F91DE-245B-40A4-8729-5576BEB9181D}" dt="2025-04-08T11:02:47.610" v="636" actId="1076"/>
       <pc:docMkLst>
         <pc:docMk/>
       </pc:docMkLst>
@@ -194,54 +194,6 @@
           <pc:docMk/>
           <pc:sldMk cId="1110957549" sldId="268"/>
         </pc:sldMkLst>
-        <pc:spChg chg="del">
-          <ac:chgData name="marco lorusso" userId="b3dd4102d78fdf22" providerId="LiveId" clId="{A32F91DE-245B-40A4-8729-5576BEB9181D}" dt="2025-04-06T21:12:11.699" v="179" actId="478"/>
-          <ac:spMkLst>
-            <pc:docMk/>
-            <pc:sldMk cId="1110957549" sldId="268"/>
-            <ac:spMk id="9" creationId="{00000000-0000-0000-0000-000000000000}"/>
-          </ac:spMkLst>
-        </pc:spChg>
-        <pc:spChg chg="del mod">
-          <ac:chgData name="marco lorusso" userId="b3dd4102d78fdf22" providerId="LiveId" clId="{A32F91DE-245B-40A4-8729-5576BEB9181D}" dt="2025-04-06T21:12:18.953" v="182" actId="478"/>
-          <ac:spMkLst>
-            <pc:docMk/>
-            <pc:sldMk cId="1110957549" sldId="268"/>
-            <ac:spMk id="10" creationId="{00000000-0000-0000-0000-000000000000}"/>
-          </ac:spMkLst>
-        </pc:spChg>
-        <pc:spChg chg="del">
-          <ac:chgData name="marco lorusso" userId="b3dd4102d78fdf22" providerId="LiveId" clId="{A32F91DE-245B-40A4-8729-5576BEB9181D}" dt="2025-04-06T21:12:31.484" v="188" actId="478"/>
-          <ac:spMkLst>
-            <pc:docMk/>
-            <pc:sldMk cId="1110957549" sldId="268"/>
-            <ac:spMk id="11" creationId="{00000000-0000-0000-0000-000000000000}"/>
-          </ac:spMkLst>
-        </pc:spChg>
-        <pc:spChg chg="del">
-          <ac:chgData name="marco lorusso" userId="b3dd4102d78fdf22" providerId="LiveId" clId="{A32F91DE-245B-40A4-8729-5576BEB9181D}" dt="2025-04-06T21:12:29.109" v="186" actId="478"/>
-          <ac:spMkLst>
-            <pc:docMk/>
-            <pc:sldMk cId="1110957549" sldId="268"/>
-            <ac:spMk id="12" creationId="{00000000-0000-0000-0000-000000000000}"/>
-          </ac:spMkLst>
-        </pc:spChg>
-        <pc:spChg chg="del">
-          <ac:chgData name="marco lorusso" userId="b3dd4102d78fdf22" providerId="LiveId" clId="{A32F91DE-245B-40A4-8729-5576BEB9181D}" dt="2025-04-06T21:12:23.081" v="184" actId="478"/>
-          <ac:spMkLst>
-            <pc:docMk/>
-            <pc:sldMk cId="1110957549" sldId="268"/>
-            <ac:spMk id="15" creationId="{00000000-0000-0000-0000-000000000000}"/>
-          </ac:spMkLst>
-        </pc:spChg>
-        <pc:spChg chg="del">
-          <ac:chgData name="marco lorusso" userId="b3dd4102d78fdf22" providerId="LiveId" clId="{A32F91DE-245B-40A4-8729-5576BEB9181D}" dt="2025-04-06T21:12:21.507" v="183" actId="478"/>
-          <ac:spMkLst>
-            <pc:docMk/>
-            <pc:sldMk cId="1110957549" sldId="268"/>
-            <ac:spMk id="16" creationId="{00000000-0000-0000-0000-000000000000}"/>
-          </ac:spMkLst>
-        </pc:spChg>
         <pc:spChg chg="mod">
           <ac:chgData name="marco lorusso" userId="b3dd4102d78fdf22" providerId="LiveId" clId="{A32F91DE-245B-40A4-8729-5576BEB9181D}" dt="2025-04-06T21:12:47.504" v="200" actId="20577"/>
           <ac:spMkLst>
@@ -258,39 +210,15 @@
             <ac:spMk id="18" creationId="{00000000-0000-0000-0000-000000000000}"/>
           </ac:spMkLst>
         </pc:spChg>
-        <pc:spChg chg="add del mod">
-          <ac:chgData name="marco lorusso" userId="b3dd4102d78fdf22" providerId="LiveId" clId="{A32F91DE-245B-40A4-8729-5576BEB9181D}" dt="2025-04-06T21:12:14.650" v="180" actId="478"/>
-          <ac:spMkLst>
-            <pc:docMk/>
-            <pc:sldMk cId="1110957549" sldId="268"/>
-            <ac:spMk id="20" creationId="{784F0834-C3BA-4E71-BE44-952DF58356D0}"/>
-          </ac:spMkLst>
-        </pc:spChg>
-        <pc:spChg chg="add del mod">
-          <ac:chgData name="marco lorusso" userId="b3dd4102d78fdf22" providerId="LiveId" clId="{A32F91DE-245B-40A4-8729-5576BEB9181D}" dt="2025-04-06T21:12:26.468" v="185" actId="478"/>
-          <ac:spMkLst>
-            <pc:docMk/>
-            <pc:sldMk cId="1110957549" sldId="268"/>
-            <ac:spMk id="22" creationId="{B092BFBA-23C0-CFAE-D947-176274462B67}"/>
-          </ac:spMkLst>
-        </pc:spChg>
-        <pc:spChg chg="add del mod">
-          <ac:chgData name="marco lorusso" userId="b3dd4102d78fdf22" providerId="LiveId" clId="{A32F91DE-245B-40A4-8729-5576BEB9181D}" dt="2025-04-06T21:12:30.117" v="187" actId="478"/>
-          <ac:spMkLst>
-            <pc:docMk/>
-            <pc:sldMk cId="1110957549" sldId="268"/>
-            <ac:spMk id="24" creationId="{C77A99F1-7BC6-EBA0-16AE-90FE3128A944}"/>
-          </ac:spMkLst>
-        </pc:spChg>
       </pc:sldChg>
       <pc:sldChg chg="modSp mod">
-        <pc:chgData name="marco lorusso" userId="b3dd4102d78fdf22" providerId="LiveId" clId="{A32F91DE-245B-40A4-8729-5576BEB9181D}" dt="2025-04-06T21:13:01.784" v="205" actId="20577"/>
+        <pc:chgData name="marco lorusso" userId="b3dd4102d78fdf22" providerId="LiveId" clId="{A32F91DE-245B-40A4-8729-5576BEB9181D}" dt="2025-04-08T10:31:38.105" v="379" actId="20577"/>
         <pc:sldMkLst>
           <pc:docMk/>
           <pc:sldMk cId="3650524206" sldId="269"/>
         </pc:sldMkLst>
         <pc:spChg chg="mod">
-          <ac:chgData name="marco lorusso" userId="b3dd4102d78fdf22" providerId="LiveId" clId="{A32F91DE-245B-40A4-8729-5576BEB9181D}" dt="2025-04-06T21:13:01.784" v="205" actId="20577"/>
+          <ac:chgData name="marco lorusso" userId="b3dd4102d78fdf22" providerId="LiveId" clId="{A32F91DE-245B-40A4-8729-5576BEB9181D}" dt="2025-04-08T10:31:38.105" v="379" actId="20577"/>
           <ac:spMkLst>
             <pc:docMk/>
             <pc:sldMk cId="3650524206" sldId="269"/>
@@ -299,13 +227,67 @@
         </pc:spChg>
       </pc:sldChg>
       <pc:sldChg chg="modSp mod">
-        <pc:chgData name="marco lorusso" userId="b3dd4102d78fdf22" providerId="LiveId" clId="{A32F91DE-245B-40A4-8729-5576BEB9181D}" dt="2025-04-06T14:16:17.936" v="81" actId="12"/>
+        <pc:chgData name="marco lorusso" userId="b3dd4102d78fdf22" providerId="LiveId" clId="{A32F91DE-245B-40A4-8729-5576BEB9181D}" dt="2025-04-08T10:52:00.783" v="574" actId="20577"/>
+        <pc:sldMkLst>
+          <pc:docMk/>
+          <pc:sldMk cId="486037537" sldId="270"/>
+        </pc:sldMkLst>
+        <pc:spChg chg="mod">
+          <ac:chgData name="marco lorusso" userId="b3dd4102d78fdf22" providerId="LiveId" clId="{A32F91DE-245B-40A4-8729-5576BEB9181D}" dt="2025-04-08T10:52:00.783" v="574" actId="20577"/>
+          <ac:spMkLst>
+            <pc:docMk/>
+            <pc:sldMk cId="486037537" sldId="270"/>
+            <ac:spMk id="2" creationId="{4F32DE71-C98D-77CD-ACA8-786F81C47CCB}"/>
+          </ac:spMkLst>
+        </pc:spChg>
+      </pc:sldChg>
+      <pc:sldChg chg="addSp delSp modSp mod">
+        <pc:chgData name="marco lorusso" userId="b3dd4102d78fdf22" providerId="LiveId" clId="{A32F91DE-245B-40A4-8729-5576BEB9181D}" dt="2025-04-08T11:00:41.408" v="625" actId="5793"/>
+        <pc:sldMkLst>
+          <pc:docMk/>
+          <pc:sldMk cId="3499597010" sldId="273"/>
+        </pc:sldMkLst>
+        <pc:spChg chg="mod">
+          <ac:chgData name="marco lorusso" userId="b3dd4102d78fdf22" providerId="LiveId" clId="{A32F91DE-245B-40A4-8729-5576BEB9181D}" dt="2025-04-08T11:00:41.408" v="625" actId="5793"/>
+          <ac:spMkLst>
+            <pc:docMk/>
+            <pc:sldMk cId="3499597010" sldId="273"/>
+            <ac:spMk id="2" creationId="{CD0B54AC-28E3-5847-B8E0-1D5145921619}"/>
+          </ac:spMkLst>
+        </pc:spChg>
+        <pc:spChg chg="del">
+          <ac:chgData name="marco lorusso" userId="b3dd4102d78fdf22" providerId="LiveId" clId="{A32F91DE-245B-40A4-8729-5576BEB9181D}" dt="2025-04-08T10:43:09.314" v="423" actId="478"/>
+          <ac:spMkLst>
+            <pc:docMk/>
+            <pc:sldMk cId="3499597010" sldId="273"/>
+            <ac:spMk id="3" creationId="{98441EB1-BA79-F0B1-DB6E-4F48C6900FAF}"/>
+          </ac:spMkLst>
+        </pc:spChg>
+        <pc:spChg chg="add del mod">
+          <ac:chgData name="marco lorusso" userId="b3dd4102d78fdf22" providerId="LiveId" clId="{A32F91DE-245B-40A4-8729-5576BEB9181D}" dt="2025-04-08T10:43:13.753" v="424" actId="478"/>
+          <ac:spMkLst>
+            <pc:docMk/>
+            <pc:sldMk cId="3499597010" sldId="273"/>
+            <ac:spMk id="6" creationId="{07BC4779-85FD-89FB-ECD1-91ED3BBACFB8}"/>
+          </ac:spMkLst>
+        </pc:spChg>
+        <pc:spChg chg="add mod">
+          <ac:chgData name="marco lorusso" userId="b3dd4102d78fdf22" providerId="LiveId" clId="{A32F91DE-245B-40A4-8729-5576BEB9181D}" dt="2025-04-08T10:43:14.821" v="425"/>
+          <ac:spMkLst>
+            <pc:docMk/>
+            <pc:sldMk cId="3499597010" sldId="273"/>
+            <ac:spMk id="7" creationId="{90BD7CBF-416B-B082-70C5-CEAA35A6CE4A}"/>
+          </ac:spMkLst>
+        </pc:spChg>
+      </pc:sldChg>
+      <pc:sldChg chg="modSp mod">
+        <pc:chgData name="marco lorusso" userId="b3dd4102d78fdf22" providerId="LiveId" clId="{A32F91DE-245B-40A4-8729-5576BEB9181D}" dt="2025-04-08T10:22:21.496" v="284" actId="20578"/>
         <pc:sldMkLst>
           <pc:docMk/>
           <pc:sldMk cId="1543661866" sldId="274"/>
         </pc:sldMkLst>
         <pc:spChg chg="mod">
-          <ac:chgData name="marco lorusso" userId="b3dd4102d78fdf22" providerId="LiveId" clId="{A32F91DE-245B-40A4-8729-5576BEB9181D}" dt="2025-04-06T14:16:17.936" v="81" actId="12"/>
+          <ac:chgData name="marco lorusso" userId="b3dd4102d78fdf22" providerId="LiveId" clId="{A32F91DE-245B-40A4-8729-5576BEB9181D}" dt="2025-04-08T10:22:21.496" v="284" actId="20578"/>
           <ac:spMkLst>
             <pc:docMk/>
             <pc:sldMk cId="1543661866" sldId="274"/>
@@ -314,13 +296,13 @@
         </pc:spChg>
       </pc:sldChg>
       <pc:sldChg chg="modSp mod">
-        <pc:chgData name="marco lorusso" userId="b3dd4102d78fdf22" providerId="LiveId" clId="{A32F91DE-245B-40A4-8729-5576BEB9181D}" dt="2025-04-06T14:19:50.233" v="148" actId="20577"/>
+        <pc:chgData name="marco lorusso" userId="b3dd4102d78fdf22" providerId="LiveId" clId="{A32F91DE-245B-40A4-8729-5576BEB9181D}" dt="2025-04-08T11:01:41.705" v="634" actId="20577"/>
         <pc:sldMkLst>
           <pc:docMk/>
           <pc:sldMk cId="3779662260" sldId="275"/>
         </pc:sldMkLst>
         <pc:spChg chg="mod">
-          <ac:chgData name="marco lorusso" userId="b3dd4102d78fdf22" providerId="LiveId" clId="{A32F91DE-245B-40A4-8729-5576BEB9181D}" dt="2025-04-06T14:19:50.233" v="148" actId="20577"/>
+          <ac:chgData name="marco lorusso" userId="b3dd4102d78fdf22" providerId="LiveId" clId="{A32F91DE-245B-40A4-8729-5576BEB9181D}" dt="2025-04-08T11:01:41.705" v="634" actId="20577"/>
           <ac:spMkLst>
             <pc:docMk/>
             <pc:sldMk cId="3779662260" sldId="275"/>
@@ -329,11 +311,19 @@
         </pc:spChg>
       </pc:sldChg>
       <pc:sldChg chg="modSp mod">
-        <pc:chgData name="marco lorusso" userId="b3dd4102d78fdf22" providerId="LiveId" clId="{A32F91DE-245B-40A4-8729-5576BEB9181D}" dt="2025-04-06T14:21:11.650" v="178" actId="14100"/>
+        <pc:chgData name="marco lorusso" userId="b3dd4102d78fdf22" providerId="LiveId" clId="{A32F91DE-245B-40A4-8729-5576BEB9181D}" dt="2025-04-08T10:34:43.489" v="402" actId="1076"/>
         <pc:sldMkLst>
           <pc:docMk/>
           <pc:sldMk cId="3821886011" sldId="276"/>
         </pc:sldMkLst>
+        <pc:spChg chg="mod">
+          <ac:chgData name="marco lorusso" userId="b3dd4102d78fdf22" providerId="LiveId" clId="{A32F91DE-245B-40A4-8729-5576BEB9181D}" dt="2025-04-08T10:31:15.572" v="330" actId="20577"/>
+          <ac:spMkLst>
+            <pc:docMk/>
+            <pc:sldMk cId="3821886011" sldId="276"/>
+            <ac:spMk id="4" creationId="{7D827CE7-EB53-779D-BE46-B3437DBFE7EB}"/>
+          </ac:spMkLst>
+        </pc:spChg>
         <pc:spChg chg="mod">
           <ac:chgData name="marco lorusso" userId="b3dd4102d78fdf22" providerId="LiveId" clId="{A32F91DE-245B-40A4-8729-5576BEB9181D}" dt="2025-04-06T14:21:11.650" v="178" actId="14100"/>
           <ac:spMkLst>
@@ -342,38 +332,132 @@
             <ac:spMk id="7" creationId="{BD490694-9417-062A-DA7E-8BE286C7AFAB}"/>
           </ac:spMkLst>
         </pc:spChg>
+        <pc:picChg chg="mod">
+          <ac:chgData name="marco lorusso" userId="b3dd4102d78fdf22" providerId="LiveId" clId="{A32F91DE-245B-40A4-8729-5576BEB9181D}" dt="2025-04-08T10:34:43.489" v="402" actId="1076"/>
+          <ac:picMkLst>
+            <pc:docMk/>
+            <pc:sldMk cId="3821886011" sldId="276"/>
+            <ac:picMk id="6" creationId="{8EEB8649-C9E6-AE4C-641C-3B00280D1B87}"/>
+          </ac:picMkLst>
+        </pc:picChg>
       </pc:sldChg>
-      <pc:sldChg chg="ord">
-        <pc:chgData name="marco lorusso" userId="b3dd4102d78fdf22" providerId="LiveId" clId="{A32F91DE-245B-40A4-8729-5576BEB9181D}" dt="2025-04-05T14:02:04.663" v="67"/>
+      <pc:sldChg chg="addSp delSp modSp mod">
+        <pc:chgData name="marco lorusso" userId="b3dd4102d78fdf22" providerId="LiveId" clId="{A32F91DE-245B-40A4-8729-5576BEB9181D}" dt="2025-04-08T10:33:52.065" v="386" actId="1076"/>
+        <pc:sldMkLst>
+          <pc:docMk/>
+          <pc:sldMk cId="272829690" sldId="277"/>
+        </pc:sldMkLst>
+        <pc:spChg chg="del mod">
+          <ac:chgData name="marco lorusso" userId="b3dd4102d78fdf22" providerId="LiveId" clId="{A32F91DE-245B-40A4-8729-5576BEB9181D}" dt="2025-04-08T10:33:20.082" v="381" actId="478"/>
+          <ac:spMkLst>
+            <pc:docMk/>
+            <pc:sldMk cId="272829690" sldId="277"/>
+            <ac:spMk id="3" creationId="{877A43C1-0F0C-4D70-985D-7F882FA089F6}"/>
+          </ac:spMkLst>
+        </pc:spChg>
+        <pc:spChg chg="add del mod">
+          <ac:chgData name="marco lorusso" userId="b3dd4102d78fdf22" providerId="LiveId" clId="{A32F91DE-245B-40A4-8729-5576BEB9181D}" dt="2025-04-08T10:33:23.493" v="382" actId="478"/>
+          <ac:spMkLst>
+            <pc:docMk/>
+            <pc:sldMk cId="272829690" sldId="277"/>
+            <ac:spMk id="4" creationId="{B277210A-921F-93FD-8FC4-109EF53EA2C5}"/>
+          </ac:spMkLst>
+        </pc:spChg>
+        <pc:spChg chg="add mod">
+          <ac:chgData name="marco lorusso" userId="b3dd4102d78fdf22" providerId="LiveId" clId="{A32F91DE-245B-40A4-8729-5576BEB9181D}" dt="2025-04-08T10:33:24.479" v="383"/>
+          <ac:spMkLst>
+            <pc:docMk/>
+            <pc:sldMk cId="272829690" sldId="277"/>
+            <ac:spMk id="5" creationId="{BA8B7B77-ACD6-A4EF-01FC-92B0FCF642C8}"/>
+          </ac:spMkLst>
+        </pc:spChg>
+        <pc:spChg chg="mod">
+          <ac:chgData name="marco lorusso" userId="b3dd4102d78fdf22" providerId="LiveId" clId="{A32F91DE-245B-40A4-8729-5576BEB9181D}" dt="2025-04-08T10:25:50.692" v="289" actId="20577"/>
+          <ac:spMkLst>
+            <pc:docMk/>
+            <pc:sldMk cId="272829690" sldId="277"/>
+            <ac:spMk id="8" creationId="{EB5E276F-476C-AEB5-A571-CA58171766E4}"/>
+          </ac:spMkLst>
+        </pc:spChg>
+        <pc:picChg chg="mod">
+          <ac:chgData name="marco lorusso" userId="b3dd4102d78fdf22" providerId="LiveId" clId="{A32F91DE-245B-40A4-8729-5576BEB9181D}" dt="2025-04-08T10:33:52.065" v="386" actId="1076"/>
+          <ac:picMkLst>
+            <pc:docMk/>
+            <pc:sldMk cId="272829690" sldId="277"/>
+            <ac:picMk id="7" creationId="{70A4248E-338C-BAA0-347E-F97825F4440A}"/>
+          </ac:picMkLst>
+        </pc:picChg>
+      </pc:sldChg>
+      <pc:sldChg chg="addSp delSp modSp mod">
+        <pc:chgData name="marco lorusso" userId="b3dd4102d78fdf22" providerId="LiveId" clId="{A32F91DE-245B-40A4-8729-5576BEB9181D}" dt="2025-04-08T10:38:12.168" v="422" actId="1076"/>
+        <pc:sldMkLst>
+          <pc:docMk/>
+          <pc:sldMk cId="1283975244" sldId="278"/>
+        </pc:sldMkLst>
+        <pc:spChg chg="del mod">
+          <ac:chgData name="marco lorusso" userId="b3dd4102d78fdf22" providerId="LiveId" clId="{A32F91DE-245B-40A4-8729-5576BEB9181D}" dt="2025-04-08T10:35:26.523" v="409" actId="478"/>
+          <ac:spMkLst>
+            <pc:docMk/>
+            <pc:sldMk cId="1283975244" sldId="278"/>
+            <ac:spMk id="3" creationId="{221DCD87-6147-FBD4-6A3D-7BEE3FE05258}"/>
+          </ac:spMkLst>
+        </pc:spChg>
+        <pc:spChg chg="add del mod">
+          <ac:chgData name="marco lorusso" userId="b3dd4102d78fdf22" providerId="LiveId" clId="{A32F91DE-245B-40A4-8729-5576BEB9181D}" dt="2025-04-08T10:35:29.106" v="410" actId="478"/>
+          <ac:spMkLst>
+            <pc:docMk/>
+            <pc:sldMk cId="1283975244" sldId="278"/>
+            <ac:spMk id="4" creationId="{8C988B33-BCFF-775C-A2C4-816CE87BADFE}"/>
+          </ac:spMkLst>
+        </pc:spChg>
+        <pc:spChg chg="add mod">
+          <ac:chgData name="marco lorusso" userId="b3dd4102d78fdf22" providerId="LiveId" clId="{A32F91DE-245B-40A4-8729-5576BEB9181D}" dt="2025-04-08T10:35:37.166" v="415" actId="20577"/>
+          <ac:spMkLst>
+            <pc:docMk/>
+            <pc:sldMk cId="1283975244" sldId="278"/>
+            <ac:spMk id="5" creationId="{7CFC0F30-D2DA-B57C-1818-93712AEEE707}"/>
+          </ac:spMkLst>
+        </pc:spChg>
+        <pc:picChg chg="add mod modCrop">
+          <ac:chgData name="marco lorusso" userId="b3dd4102d78fdf22" providerId="LiveId" clId="{A32F91DE-245B-40A4-8729-5576BEB9181D}" dt="2025-04-08T10:38:12.168" v="422" actId="1076"/>
+          <ac:picMkLst>
+            <pc:docMk/>
+            <pc:sldMk cId="1283975244" sldId="278"/>
+            <ac:picMk id="7" creationId="{2B4D34B8-6EE0-D66A-FDE5-EF9555856CCE}"/>
+          </ac:picMkLst>
+        </pc:picChg>
+      </pc:sldChg>
+      <pc:sldChg chg="modSp mod ord">
+        <pc:chgData name="marco lorusso" userId="b3dd4102d78fdf22" providerId="LiveId" clId="{A32F91DE-245B-40A4-8729-5576BEB9181D}" dt="2025-04-08T11:02:47.610" v="636" actId="1076"/>
         <pc:sldMkLst>
           <pc:docMk/>
           <pc:sldMk cId="1487821933" sldId="279"/>
         </pc:sldMkLst>
+        <pc:spChg chg="mod">
+          <ac:chgData name="marco lorusso" userId="b3dd4102d78fdf22" providerId="LiveId" clId="{A32F91DE-245B-40A4-8729-5576BEB9181D}" dt="2025-04-08T11:02:47.610" v="636" actId="1076"/>
+          <ac:spMkLst>
+            <pc:docMk/>
+            <pc:sldMk cId="1487821933" sldId="279"/>
+            <ac:spMk id="2" creationId="{B3D59D25-3B2D-6863-A8D8-A17DE85AAB42}"/>
+          </ac:spMkLst>
+        </pc:spChg>
       </pc:sldChg>
       <pc:sldChg chg="addSp delSp modSp new mod">
-        <pc:chgData name="marco lorusso" userId="b3dd4102d78fdf22" providerId="LiveId" clId="{A32F91DE-245B-40A4-8729-5576BEB9181D}" dt="2025-04-06T14:17:20.111" v="83" actId="1076"/>
+        <pc:chgData name="marco lorusso" userId="b3dd4102d78fdf22" providerId="LiveId" clId="{A32F91DE-245B-40A4-8729-5576BEB9181D}" dt="2025-04-08T10:34:04.691" v="388" actId="1038"/>
         <pc:sldMkLst>
           <pc:docMk/>
           <pc:sldMk cId="1944232588" sldId="280"/>
         </pc:sldMkLst>
-        <pc:spChg chg="del">
-          <ac:chgData name="marco lorusso" userId="b3dd4102d78fdf22" providerId="LiveId" clId="{A32F91DE-245B-40A4-8729-5576BEB9181D}" dt="2025-04-05T13:47:16.802" v="2" actId="478"/>
+        <pc:spChg chg="add mod">
+          <ac:chgData name="marco lorusso" userId="b3dd4102d78fdf22" providerId="LiveId" clId="{A32F91DE-245B-40A4-8729-5576BEB9181D}" dt="2025-04-08T10:34:04.691" v="388" actId="1038"/>
           <ac:spMkLst>
             <pc:docMk/>
             <pc:sldMk cId="1944232588" sldId="280"/>
-            <ac:spMk id="2" creationId="{0C38D474-3FB8-901B-7474-CB752F92FD81}"/>
-          </ac:spMkLst>
-        </pc:spChg>
-        <pc:spChg chg="del">
-          <ac:chgData name="marco lorusso" userId="b3dd4102d78fdf22" providerId="LiveId" clId="{A32F91DE-245B-40A4-8729-5576BEB9181D}" dt="2025-04-05T13:47:15.602" v="1" actId="478"/>
-          <ac:spMkLst>
-            <pc:docMk/>
-            <pc:sldMk cId="1944232588" sldId="280"/>
-            <ac:spMk id="3" creationId="{1E3BFD88-F742-E0AA-EA3C-CA7C7041E6F7}"/>
+            <ac:spMk id="2" creationId="{05766048-ADF1-E0AD-FA8A-1B4716C5F38D}"/>
           </ac:spMkLst>
         </pc:spChg>
         <pc:spChg chg="add mod">
-          <ac:chgData name="marco lorusso" userId="b3dd4102d78fdf22" providerId="LiveId" clId="{A32F91DE-245B-40A4-8729-5576BEB9181D}" dt="2025-04-05T13:58:15.089" v="56" actId="404"/>
+          <ac:chgData name="marco lorusso" userId="b3dd4102d78fdf22" providerId="LiveId" clId="{A32F91DE-245B-40A4-8729-5576BEB9181D}" dt="2025-04-08T10:30:37.157" v="301" actId="1076"/>
           <ac:spMkLst>
             <pc:docMk/>
             <pc:sldMk cId="1944232588" sldId="280"/>
@@ -381,7 +465,7 @@
           </ac:spMkLst>
         </pc:spChg>
         <pc:picChg chg="add mod">
-          <ac:chgData name="marco lorusso" userId="b3dd4102d78fdf22" providerId="LiveId" clId="{A32F91DE-245B-40A4-8729-5576BEB9181D}" dt="2025-04-06T14:17:20.111" v="83" actId="1076"/>
+          <ac:chgData name="marco lorusso" userId="b3dd4102d78fdf22" providerId="LiveId" clId="{A32F91DE-245B-40A4-8729-5576BEB9181D}" dt="2025-04-08T10:30:54.597" v="307" actId="1076"/>
           <ac:picMkLst>
             <pc:docMk/>
             <pc:sldMk cId="1944232588" sldId="280"/>
@@ -390,7 +474,7 @@
         </pc:picChg>
       </pc:sldChg>
       <pc:sldChg chg="addSp delSp modSp new mod">
-        <pc:chgData name="marco lorusso" userId="b3dd4102d78fdf22" providerId="LiveId" clId="{A32F91DE-245B-40A4-8729-5576BEB9181D}" dt="2025-04-06T14:18:12.351" v="103" actId="1076"/>
+        <pc:chgData name="marco lorusso" userId="b3dd4102d78fdf22" providerId="LiveId" clId="{A32F91DE-245B-40A4-8729-5576BEB9181D}" dt="2025-04-08T10:34:25.748" v="399" actId="1076"/>
         <pc:sldMkLst>
           <pc:docMk/>
           <pc:sldMk cId="2860692586" sldId="281"/>
@@ -403,24 +487,24 @@
             <ac:spMk id="2" creationId="{18699D7D-20A9-38C8-38E8-53E56F3781A1}"/>
           </ac:spMkLst>
         </pc:spChg>
-        <pc:spChg chg="del">
-          <ac:chgData name="marco lorusso" userId="b3dd4102d78fdf22" providerId="LiveId" clId="{A32F91DE-245B-40A4-8729-5576BEB9181D}" dt="2025-04-05T13:54:20.886" v="23" actId="478"/>
-          <ac:spMkLst>
-            <pc:docMk/>
-            <pc:sldMk cId="2860692586" sldId="281"/>
-            <ac:spMk id="3" creationId="{8327F664-FBF9-DC71-56FB-0A3597B6491E}"/>
-          </ac:spMkLst>
-        </pc:spChg>
-        <pc:spChg chg="add mod">
-          <ac:chgData name="marco lorusso" userId="b3dd4102d78fdf22" providerId="LiveId" clId="{A32F91DE-245B-40A4-8729-5576BEB9181D}" dt="2025-04-06T14:18:12.351" v="103" actId="1076"/>
+        <pc:spChg chg="add del mod">
+          <ac:chgData name="marco lorusso" userId="b3dd4102d78fdf22" providerId="LiveId" clId="{A32F91DE-245B-40A4-8729-5576BEB9181D}" dt="2025-04-08T10:34:09.382" v="389" actId="478"/>
           <ac:spMkLst>
             <pc:docMk/>
             <pc:sldMk cId="2860692586" sldId="281"/>
             <ac:spMk id="3" creationId="{B701E842-91CC-6646-044A-76F088A6957C}"/>
           </ac:spMkLst>
         </pc:spChg>
+        <pc:spChg chg="add mod">
+          <ac:chgData name="marco lorusso" userId="b3dd4102d78fdf22" providerId="LiveId" clId="{A32F91DE-245B-40A4-8729-5576BEB9181D}" dt="2025-04-08T10:34:13.297" v="397" actId="20577"/>
+          <ac:spMkLst>
+            <pc:docMk/>
+            <pc:sldMk cId="2860692586" sldId="281"/>
+            <ac:spMk id="4" creationId="{3ACC0C1D-8450-FEDD-22F9-8000E0C73ED0}"/>
+          </ac:spMkLst>
+        </pc:spChg>
         <pc:picChg chg="add mod">
-          <ac:chgData name="marco lorusso" userId="b3dd4102d78fdf22" providerId="LiveId" clId="{A32F91DE-245B-40A4-8729-5576BEB9181D}" dt="2025-04-06T14:17:49.864" v="85" actId="1076"/>
+          <ac:chgData name="marco lorusso" userId="b3dd4102d78fdf22" providerId="LiveId" clId="{A32F91DE-245B-40A4-8729-5576BEB9181D}" dt="2025-04-08T10:34:25.748" v="399" actId="1076"/>
           <ac:picMkLst>
             <pc:docMk/>
             <pc:sldMk cId="2860692586" sldId="281"/>
@@ -530,7 +614,7 @@
             <a:fld id="{EC9388A7-5429-7442-BD81-798B3F4B5BE0}" type="datetime1">
               <a:rPr lang="it-IT"/>
               <a:pPr/>
-              <a:t>06/04/2025</a:t>
+              <a:t>08/04/2025</a:t>
             </a:fld>
             <a:endParaRPr lang="it-IT"/>
           </a:p>
@@ -781,14 +865,14 @@
           </a:ln>
           <a:extLst>
             <a:ext uri="{909E8E84-426E-40dd-AFC4-6F175D3DCCD1}">
-              <a14:hiddenFill xmlns="" xmlns:a14="http://schemas.microsoft.com/office/drawing/2010/main">
+              <a14:hiddenFill xmlns:a14="http://schemas.microsoft.com/office/drawing/2010/main" xmlns="">
                 <a:solidFill>
                   <a:srgbClr val="FFFFFF"/>
                 </a:solidFill>
               </a14:hiddenFill>
             </a:ext>
             <a:ext uri="{FAA26D3D-D897-4be2-8F04-BA451C77F1D7}">
-              <ma14:placeholderFlag xmlns="" xmlns:ma14="http://schemas.microsoft.com/office/mac/drawingml/2011/main" val="1"/>
+              <ma14:placeholderFlag xmlns:ma14="http://schemas.microsoft.com/office/mac/drawingml/2011/main" xmlns="" val="1"/>
             </a:ext>
           </a:extLst>
         </p:spPr>
@@ -1093,6 +1177,91 @@
     </a:lvl9pPr>
   </p:notesStyle>
 </p:notesMaster>
+</file>
+
+<file path=ppt/notesSlides/notesSlide1.xml><?xml version="1.0" encoding="utf-8"?>
+<p:notes xmlns:a="http://schemas.openxmlformats.org/drawingml/2006/main" xmlns:r="http://schemas.openxmlformats.org/officeDocument/2006/relationships" xmlns:p="http://schemas.openxmlformats.org/presentationml/2006/main">
+  <p:cSld>
+    <p:spTree>
+      <p:nvGrpSpPr>
+        <p:cNvPr id="1" name=""/>
+        <p:cNvGrpSpPr/>
+        <p:nvPr/>
+      </p:nvGrpSpPr>
+      <p:grpSpPr>
+        <a:xfrm>
+          <a:off x="0" y="0"/>
+          <a:ext cx="0" cy="0"/>
+          <a:chOff x="0" y="0"/>
+          <a:chExt cx="0" cy="0"/>
+        </a:xfrm>
+      </p:grpSpPr>
+      <p:sp>
+        <p:nvSpPr>
+          <p:cNvPr id="2" name="Segnaposto immagine diapositiva 1"/>
+          <p:cNvSpPr>
+            <a:spLocks noGrp="1" noRot="1" noChangeAspect="1"/>
+          </p:cNvSpPr>
+          <p:nvPr>
+            <p:ph type="sldImg"/>
+          </p:nvPr>
+        </p:nvSpPr>
+        <p:spPr/>
+      </p:sp>
+      <p:sp>
+        <p:nvSpPr>
+          <p:cNvPr id="3" name="Segnaposto note 2"/>
+          <p:cNvSpPr>
+            <a:spLocks noGrp="1"/>
+          </p:cNvSpPr>
+          <p:nvPr>
+            <p:ph type="body" idx="1"/>
+          </p:nvPr>
+        </p:nvSpPr>
+        <p:spPr/>
+        <p:txBody>
+          <a:bodyPr/>
+          <a:lstStyle/>
+          <a:p>
+            <a:endParaRPr lang="it-CH" dirty="0"/>
+          </a:p>
+        </p:txBody>
+      </p:sp>
+      <p:sp>
+        <p:nvSpPr>
+          <p:cNvPr id="4" name="Segnaposto numero diapositiva 3"/>
+          <p:cNvSpPr>
+            <a:spLocks noGrp="1"/>
+          </p:cNvSpPr>
+          <p:nvPr>
+            <p:ph type="sldNum" sz="quarter" idx="5"/>
+          </p:nvPr>
+        </p:nvSpPr>
+        <p:spPr/>
+        <p:txBody>
+          <a:bodyPr/>
+          <a:lstStyle/>
+          <a:p>
+            <a:fld id="{F6425F76-5FCB-3E42-9F4B-C72054CFC5AB}" type="slidenum">
+              <a:rPr lang="it-IT" smtClean="0"/>
+              <a:pPr/>
+              <a:t>1</a:t>
+            </a:fld>
+            <a:endParaRPr lang="it-IT"/>
+          </a:p>
+        </p:txBody>
+      </p:sp>
+    </p:spTree>
+    <p:extLst>
+      <p:ext uri="{BB962C8B-B14F-4D97-AF65-F5344CB8AC3E}">
+        <p14:creationId xmlns:p14="http://schemas.microsoft.com/office/powerpoint/2010/main" val="68587676"/>
+      </p:ext>
+    </p:extLst>
+  </p:cSld>
+  <p:clrMapOvr>
+    <a:masterClrMapping/>
+  </p:clrMapOvr>
+</p:notes>
 </file>
 
 <file path=ppt/slideLayouts/slideLayout1.xml><?xml version="1.0" encoding="utf-8"?>
@@ -5333,13 +5502,13 @@
               </a:spcAft>
             </a:pPr>
             <a:r>
-              <a:rPr lang="it-IT" sz="1600" b="1" dirty="0" err="1">
+              <a:rPr lang="it-IT" sz="1800" b="1" dirty="0" err="1">
                 <a:effectLst/>
               </a:rPr>
               <a:t>Sidebar</a:t>
             </a:r>
             <a:r>
-              <a:rPr lang="it-IT" sz="1600" b="1" dirty="0">
+              <a:rPr lang="it-IT" sz="1800" b="1" dirty="0">
                 <a:effectLst/>
               </a:rPr>
               <a:t> Component</a:t>
@@ -5355,7 +5524,7 @@
               </a:spcAft>
             </a:pPr>
             <a:r>
-              <a:rPr lang="it-IT" sz="1600" b="1" dirty="0">
+              <a:rPr lang="it-IT" sz="1800" b="1" dirty="0">
                 <a:effectLst/>
               </a:rPr>
               <a:t>Funzionalità Principali:</a:t>
@@ -5373,7 +5542,7 @@
               <a:buChar char="•"/>
             </a:pPr>
             <a:r>
-              <a:rPr lang="it-IT" sz="1600" dirty="0">
+              <a:rPr lang="it-IT" sz="1800" dirty="0">
                 <a:effectLst/>
               </a:rPr>
               <a:t>Organizzazione delle collezioni di richieste</a:t>
@@ -5391,7 +5560,7 @@
               <a:buChar char="•"/>
             </a:pPr>
             <a:r>
-              <a:rPr lang="it-IT" sz="1600" dirty="0">
+              <a:rPr lang="it-IT" sz="1800" dirty="0">
                 <a:effectLst/>
               </a:rPr>
               <a:t>Riceve i dati delle collezioni tramite @Input.</a:t>
@@ -5409,31 +5578,31 @@
               <a:buChar char="•"/>
             </a:pPr>
             <a:r>
-              <a:rPr lang="it-IT" sz="1600" dirty="0">
+              <a:rPr lang="it-IT" sz="1800" dirty="0">
                 <a:effectLst/>
               </a:rPr>
               <a:t>Comunica con </a:t>
             </a:r>
             <a:r>
-              <a:rPr lang="it-IT" sz="1600" dirty="0" err="1">
+              <a:rPr lang="it-IT" sz="1800" dirty="0" err="1">
                 <a:effectLst/>
               </a:rPr>
               <a:t>HttpClientComponent</a:t>
             </a:r>
             <a:r>
-              <a:rPr lang="it-IT" sz="1600" dirty="0">
+              <a:rPr lang="it-IT" sz="1800" dirty="0">
                 <a:effectLst/>
               </a:rPr>
               <a:t> tramite @Output per eventi come </a:t>
             </a:r>
             <a:r>
-              <a:rPr lang="it-IT" sz="1600" dirty="0" err="1">
+              <a:rPr lang="it-IT" sz="1800" dirty="0" err="1">
                 <a:effectLst/>
               </a:rPr>
               <a:t>requestSelected</a:t>
             </a:r>
             <a:r>
-              <a:rPr lang="it-IT" sz="1600" dirty="0">
+              <a:rPr lang="it-IT" sz="1800" dirty="0">
                 <a:effectLst/>
               </a:rPr>
               <a:t>.</a:t>
@@ -5451,46 +5620,11 @@
               <a:buChar char="•"/>
             </a:pPr>
             <a:r>
-              <a:rPr lang="it-IT" sz="1600" dirty="0">
+              <a:rPr lang="it-IT" sz="1800" dirty="0">
                 <a:effectLst/>
               </a:rPr>
-              <a:t>Ricerca delle richieste</a:t>
-            </a:r>
-          </a:p>
-          <a:p>
-            <a:pPr>
-              <a:spcBef>
-                <a:spcPts val="150"/>
-              </a:spcBef>
-              <a:spcAft>
-                <a:spcPts val="150"/>
-              </a:spcAft>
-            </a:pPr>
-            <a:r>
-              <a:rPr lang="it-IT" sz="1600" b="1" dirty="0">
-                <a:effectLst/>
-              </a:rPr>
-              <a:t>Interfaccia Utente:</a:t>
-            </a:r>
-          </a:p>
-          <a:p>
-            <a:pPr marL="285750" indent="-285750">
-              <a:spcBef>
-                <a:spcPts val="150"/>
-              </a:spcBef>
-              <a:spcAft>
-                <a:spcPts val="150"/>
-              </a:spcAft>
-              <a:buFont typeface="Arial" panose="020B0604020202020204" pitchFamily="34" charset="0"/>
-              <a:buChar char="•"/>
-            </a:pPr>
-            <a:r>
-              <a:rPr lang="it-IT" sz="1600" dirty="0">
-                <a:effectLst/>
-              </a:rPr>
-              <a:t>Animazioni fluide per transizioni</a:t>
-            </a:r>
-            <a:endParaRPr lang="it-CH" sz="1600" dirty="0"/>
+              <a:t>Ricerca delle richieste.</a:t>
+            </a:r>
           </a:p>
         </p:txBody>
       </p:sp>
@@ -5588,8 +5722,8 @@
         </p:blipFill>
         <p:spPr>
           <a:xfrm>
-            <a:off x="251520" y="1543319"/>
-            <a:ext cx="5516217" cy="1512168"/>
+            <a:off x="1335190" y="1412776"/>
+            <a:ext cx="6041571" cy="1656184"/>
           </a:xfrm>
           <a:prstGeom prst="rect">
             <a:avLst/>
@@ -5903,18 +6037,6 @@
           <a:lstStyle/>
           <a:p>
             <a:r>
-              <a:rPr lang="it-IT" sz="2700" dirty="0">
-                <a:solidFill>
-                  <a:schemeClr val="accent6">
-                    <a:lumMod val="75000"/>
-                  </a:schemeClr>
-                </a:solidFill>
-                <a:latin typeface="+mn-lt"/>
-                <a:ea typeface="ＭＳ Ｐゴシック" pitchFamily="-128" charset="-128"/>
-              </a:rPr>
-              <a:t>Utilizzo componente </a:t>
-            </a:r>
-            <a:r>
               <a:rPr lang="it-IT" sz="2700" dirty="0" err="1">
                 <a:solidFill>
                   <a:schemeClr val="accent6">
@@ -5924,7 +6046,7 @@
                 <a:latin typeface="+mn-lt"/>
                 <a:ea typeface="ＭＳ Ｐゴシック" pitchFamily="-128" charset="-128"/>
               </a:rPr>
-              <a:t>sidebar</a:t>
+              <a:t>Sidebar</a:t>
             </a:r>
             <a:endParaRPr lang="it-CH" sz="2700" dirty="0">
               <a:solidFill>
@@ -5986,7 +6108,7 @@
         </p:nvSpPr>
         <p:spPr>
           <a:xfrm>
-            <a:off x="323528" y="1981784"/>
+            <a:off x="321489" y="1700808"/>
             <a:ext cx="7848872" cy="3967496"/>
           </a:xfrm>
         </p:spPr>
@@ -5999,8 +6121,8 @@
               <a:buChar char="•"/>
             </a:pPr>
             <a:r>
-              <a:rPr lang="it-IT" sz="1600" dirty="0"/>
-              <a:t>Autenticazione</a:t>
+              <a:rPr lang="it-IT" sz="1800" dirty="0"/>
+              <a:t>Autenticazione.</a:t>
             </a:r>
           </a:p>
           <a:p>
@@ -6009,18 +6131,21 @@
               <a:buChar char="•"/>
             </a:pPr>
             <a:r>
-              <a:rPr lang="it-IT" sz="1600" dirty="0"/>
+              <a:rPr lang="it-IT" sz="1800" dirty="0"/>
               <a:t>Drag &amp; Drop</a:t>
             </a:r>
             <a:r>
-              <a:rPr lang="it-CH" sz="1600" dirty="0"/>
+              <a:rPr lang="it-CH" sz="1800" dirty="0"/>
               <a:t> delle </a:t>
             </a:r>
             <a:r>
-              <a:rPr lang="it-CH" sz="1600" dirty="0" err="1"/>
+              <a:rPr lang="it-CH" sz="1800" dirty="0" err="1"/>
               <a:t>collections</a:t>
             </a:r>
-            <a:endParaRPr lang="it-CH" sz="1600" dirty="0"/>
+            <a:r>
+              <a:rPr lang="it-CH" sz="1800" dirty="0"/>
+              <a:t>.</a:t>
+            </a:r>
           </a:p>
           <a:p>
             <a:pPr marL="285750" indent="-285750">
@@ -6028,7 +6153,7 @@
               <a:buChar char="•"/>
             </a:pPr>
             <a:r>
-              <a:rPr lang="it-IT" sz="1600" dirty="0"/>
+              <a:rPr lang="it-IT" sz="1800" dirty="0"/>
               <a:t>Aggiungere supporto per ulteriori metodi HTTP come PATCH e OPTIONS.</a:t>
             </a:r>
           </a:p>
@@ -6038,7 +6163,7 @@
               <a:buChar char="•"/>
             </a:pPr>
             <a:r>
-              <a:rPr lang="it-IT" sz="1600" dirty="0"/>
+              <a:rPr lang="it-IT" sz="1800" dirty="0"/>
               <a:t>Implementare un tema scuro per migliorare l'accessibilità.</a:t>
             </a:r>
           </a:p>
@@ -6048,16 +6173,16 @@
               <a:buChar char="•"/>
             </a:pPr>
             <a:r>
-              <a:rPr lang="it-IT" sz="1600" dirty="0"/>
+              <a:rPr lang="it-IT" sz="1800" dirty="0"/>
               <a:t>Aggiungere animazioni più fluide per una migliore esperienza utente.</a:t>
             </a:r>
           </a:p>
           <a:p>
-            <a:endParaRPr lang="it-IT" sz="1600" dirty="0"/>
-          </a:p>
-          <a:p>
-            <a:r>
-              <a:rPr lang="it-IT" sz="1600" b="1" dirty="0"/>
+            <a:endParaRPr lang="it-IT" sz="1800" dirty="0"/>
+          </a:p>
+          <a:p>
+            <a:r>
+              <a:rPr lang="it-IT" sz="1800" b="1" dirty="0"/>
               <a:t>Risultati Raggiunti:</a:t>
             </a:r>
           </a:p>
@@ -6067,7 +6192,7 @@
               <a:buChar char="•"/>
             </a:pPr>
             <a:r>
-              <a:rPr lang="it-IT" sz="1600" dirty="0"/>
+              <a:rPr lang="it-IT" sz="1800" dirty="0"/>
               <a:t>Creazione di un'applicazione robusta per la gestione delle richieste HTTP.</a:t>
             </a:r>
           </a:p>
@@ -6077,13 +6202,16 @@
               <a:buChar char="•"/>
             </a:pPr>
             <a:r>
-              <a:rPr lang="it-IT" sz="1600" dirty="0"/>
+              <a:rPr lang="it-IT" sz="1800" dirty="0"/>
               <a:t>Interfaccia utente moderna e reattiva che migliora l'esperienza dell'utente.</a:t>
             </a:r>
           </a:p>
           <a:p>
-            <a:r>
-              <a:rPr lang="it-IT" sz="1600" b="1" dirty="0"/>
+            <a:endParaRPr lang="it-IT" sz="1800" dirty="0"/>
+          </a:p>
+          <a:p>
+            <a:r>
+              <a:rPr lang="it-IT" sz="1800" b="1" dirty="0"/>
               <a:t>Lezioni Apprese:</a:t>
             </a:r>
           </a:p>
@@ -6093,7 +6221,7 @@
               <a:buChar char="•"/>
             </a:pPr>
             <a:r>
-              <a:rPr lang="it-IT" sz="1600" dirty="0"/>
+              <a:rPr lang="it-IT" sz="1800" dirty="0"/>
               <a:t>Importanza della modularità e della riusabilità del codice.</a:t>
             </a:r>
           </a:p>
@@ -6103,7 +6231,7 @@
               <a:buChar char="•"/>
             </a:pPr>
             <a:r>
-              <a:rPr lang="it-IT" sz="1600" dirty="0"/>
+              <a:rPr lang="it-IT" sz="1800" dirty="0"/>
               <a:t>Benefici dell'adozione di pattern di progettazione come l'iniezione delle dipendenze.</a:t>
             </a:r>
           </a:p>
@@ -6113,14 +6241,17 @@
               <a:buChar char="•"/>
             </a:pPr>
             <a:r>
-              <a:rPr lang="it-IT" sz="1600" dirty="0"/>
+              <a:rPr lang="it-IT" sz="1800" dirty="0"/>
               <a:t>Utilizzo del Framework </a:t>
             </a:r>
             <a:r>
-              <a:rPr lang="it-IT" sz="1600" dirty="0" err="1"/>
+              <a:rPr lang="it-IT" sz="1800" dirty="0" err="1"/>
               <a:t>Angular</a:t>
             </a:r>
-            <a:endParaRPr lang="it-IT" sz="1600" dirty="0"/>
+            <a:r>
+              <a:rPr lang="it-IT" sz="1800" dirty="0"/>
+              <a:t>.</a:t>
+            </a:r>
           </a:p>
         </p:txBody>
       </p:sp>
@@ -6190,39 +6321,227 @@
       </p:grpSpPr>
       <p:sp>
         <p:nvSpPr>
-          <p:cNvPr id="3" name="Segnaposto testo 2">
+          <p:cNvPr id="5" name="Segnaposto testo 2">
             <a:extLst>
               <a:ext uri="{FF2B5EF4-FFF2-40B4-BE49-F238E27FC236}">
-                <a16:creationId xmlns:a16="http://schemas.microsoft.com/office/drawing/2014/main" id="{221DCD87-6147-FBD4-6A3D-7BEE3FE05258}"/>
+                <a16:creationId xmlns:a16="http://schemas.microsoft.com/office/drawing/2014/main" id="{7CFC0F30-D2DA-B57C-1818-93712AEEE707}"/>
               </a:ext>
             </a:extLst>
           </p:cNvPr>
-          <p:cNvSpPr>
-            <a:spLocks noGrp="1"/>
+          <p:cNvSpPr txBox="1">
+            <a:spLocks/>
           </p:cNvSpPr>
-          <p:nvPr>
-            <p:ph type="body" sz="quarter" idx="14"/>
-          </p:nvPr>
+          <p:nvPr/>
         </p:nvSpPr>
         <p:spPr>
           <a:xfrm>
-            <a:off x="323528" y="2964476"/>
+            <a:off x="359532" y="620688"/>
             <a:ext cx="7848872" cy="929048"/>
           </a:xfrm>
+          <a:prstGeom prst="rect">
+            <a:avLst/>
+          </a:prstGeom>
         </p:spPr>
         <p:txBody>
-          <a:bodyPr/>
-          <a:lstStyle/>
-          <a:p>
-            <a:pPr algn="ctr"/>
-            <a:r>
-              <a:rPr lang="it-IT" sz="3600" dirty="0"/>
+          <a:bodyPr lIns="0" tIns="0" rIns="0" bIns="0"/>
+          <a:lstStyle>
+            <a:lvl1pPr marL="342900" marR="0" indent="-342900" algn="l" defTabSz="457200" rtl="0" eaLnBrk="0" fontAlgn="base" latinLnBrk="0" hangingPunct="0">
+              <a:lnSpc>
+                <a:spcPct val="100000"/>
+              </a:lnSpc>
+              <a:spcBef>
+                <a:spcPct val="20000"/>
+              </a:spcBef>
+              <a:spcAft>
+                <a:spcPct val="0"/>
+              </a:spcAft>
+              <a:buClrTx/>
+              <a:buSzTx/>
+              <a:buFont typeface="Arial" charset="0"/>
+              <a:buNone/>
+              <a:tabLst/>
+              <a:defRPr sz="2700" kern="1200" baseline="0">
+                <a:solidFill>
+                  <a:schemeClr val="accent6">
+                    <a:lumMod val="75000"/>
+                  </a:schemeClr>
+                </a:solidFill>
+                <a:latin typeface="+mn-lt"/>
+                <a:ea typeface="ＭＳ Ｐゴシック" pitchFamily="-128" charset="-128"/>
+                <a:cs typeface="ＭＳ Ｐゴシック" pitchFamily="-128" charset="-128"/>
+              </a:defRPr>
+            </a:lvl1pPr>
+            <a:lvl2pPr marL="742950" indent="-285750" algn="l" defTabSz="457200" rtl="0" eaLnBrk="1" fontAlgn="base" hangingPunct="1">
+              <a:spcBef>
+                <a:spcPct val="20000"/>
+              </a:spcBef>
+              <a:spcAft>
+                <a:spcPct val="0"/>
+              </a:spcAft>
+              <a:buFont typeface="Arial" charset="0"/>
+              <a:buChar char="–"/>
+              <a:defRPr sz="2800" kern="1200">
+                <a:solidFill>
+                  <a:schemeClr val="tx1"/>
+                </a:solidFill>
+                <a:latin typeface="+mn-lt"/>
+                <a:ea typeface="ＭＳ Ｐゴシック" pitchFamily="-128" charset="-128"/>
+                <a:cs typeface="+mn-cs"/>
+              </a:defRPr>
+            </a:lvl2pPr>
+            <a:lvl3pPr marL="1143000" indent="-228600" algn="l" defTabSz="457200" rtl="0" eaLnBrk="1" fontAlgn="base" hangingPunct="1">
+              <a:spcBef>
+                <a:spcPct val="20000"/>
+              </a:spcBef>
+              <a:spcAft>
+                <a:spcPct val="0"/>
+              </a:spcAft>
+              <a:buFont typeface="Arial" charset="0"/>
+              <a:buChar char="•"/>
+              <a:defRPr sz="2400" kern="1200">
+                <a:solidFill>
+                  <a:schemeClr val="tx1"/>
+                </a:solidFill>
+                <a:latin typeface="+mn-lt"/>
+                <a:ea typeface="ＭＳ Ｐゴシック" pitchFamily="-128" charset="-128"/>
+                <a:cs typeface="+mn-cs"/>
+              </a:defRPr>
+            </a:lvl3pPr>
+            <a:lvl4pPr marL="1600200" indent="-228600" algn="l" defTabSz="457200" rtl="0" eaLnBrk="1" fontAlgn="base" hangingPunct="1">
+              <a:spcBef>
+                <a:spcPct val="20000"/>
+              </a:spcBef>
+              <a:spcAft>
+                <a:spcPct val="0"/>
+              </a:spcAft>
+              <a:buFont typeface="Arial" charset="0"/>
+              <a:buChar char="–"/>
+              <a:defRPr sz="2000" kern="1200">
+                <a:solidFill>
+                  <a:schemeClr val="tx1"/>
+                </a:solidFill>
+                <a:latin typeface="+mn-lt"/>
+                <a:ea typeface="ＭＳ Ｐゴシック" pitchFamily="-128" charset="-128"/>
+                <a:cs typeface="+mn-cs"/>
+              </a:defRPr>
+            </a:lvl4pPr>
+            <a:lvl5pPr marL="2057400" indent="-228600" algn="l" defTabSz="457200" rtl="0" eaLnBrk="1" fontAlgn="base" hangingPunct="1">
+              <a:spcBef>
+                <a:spcPct val="20000"/>
+              </a:spcBef>
+              <a:spcAft>
+                <a:spcPct val="0"/>
+              </a:spcAft>
+              <a:buFont typeface="Arial" charset="0"/>
+              <a:buChar char="»"/>
+              <a:defRPr sz="2000" kern="1200">
+                <a:solidFill>
+                  <a:schemeClr val="tx1"/>
+                </a:solidFill>
+                <a:latin typeface="+mn-lt"/>
+                <a:ea typeface="ＭＳ Ｐゴシック" pitchFamily="-128" charset="-128"/>
+                <a:cs typeface="+mn-cs"/>
+              </a:defRPr>
+            </a:lvl5pPr>
+            <a:lvl6pPr marL="2514600" indent="-228600" algn="l" defTabSz="457200" rtl="0" eaLnBrk="1" latinLnBrk="0" hangingPunct="1">
+              <a:spcBef>
+                <a:spcPct val="20000"/>
+              </a:spcBef>
+              <a:buFont typeface="Arial"/>
+              <a:buChar char="•"/>
+              <a:defRPr sz="2000" kern="1200">
+                <a:solidFill>
+                  <a:schemeClr val="tx1"/>
+                </a:solidFill>
+                <a:latin typeface="+mn-lt"/>
+                <a:ea typeface="+mn-ea"/>
+                <a:cs typeface="+mn-cs"/>
+              </a:defRPr>
+            </a:lvl6pPr>
+            <a:lvl7pPr marL="2971800" indent="-228600" algn="l" defTabSz="457200" rtl="0" eaLnBrk="1" latinLnBrk="0" hangingPunct="1">
+              <a:spcBef>
+                <a:spcPct val="20000"/>
+              </a:spcBef>
+              <a:buFont typeface="Arial"/>
+              <a:buChar char="•"/>
+              <a:defRPr sz="2000" kern="1200">
+                <a:solidFill>
+                  <a:schemeClr val="tx1"/>
+                </a:solidFill>
+                <a:latin typeface="+mn-lt"/>
+                <a:ea typeface="+mn-ea"/>
+                <a:cs typeface="+mn-cs"/>
+              </a:defRPr>
+            </a:lvl7pPr>
+            <a:lvl8pPr marL="3429000" indent="-228600" algn="l" defTabSz="457200" rtl="0" eaLnBrk="1" latinLnBrk="0" hangingPunct="1">
+              <a:spcBef>
+                <a:spcPct val="20000"/>
+              </a:spcBef>
+              <a:buFont typeface="Arial"/>
+              <a:buChar char="•"/>
+              <a:defRPr sz="2000" kern="1200">
+                <a:solidFill>
+                  <a:schemeClr val="tx1"/>
+                </a:solidFill>
+                <a:latin typeface="+mn-lt"/>
+                <a:ea typeface="+mn-ea"/>
+                <a:cs typeface="+mn-cs"/>
+              </a:defRPr>
+            </a:lvl8pPr>
+            <a:lvl9pPr marL="3886200" indent="-228600" algn="l" defTabSz="457200" rtl="0" eaLnBrk="1" latinLnBrk="0" hangingPunct="1">
+              <a:spcBef>
+                <a:spcPct val="20000"/>
+              </a:spcBef>
+              <a:buFont typeface="Arial"/>
+              <a:buChar char="•"/>
+              <a:defRPr sz="2000" kern="1200">
+                <a:solidFill>
+                  <a:schemeClr val="tx1"/>
+                </a:solidFill>
+                <a:latin typeface="+mn-lt"/>
+                <a:ea typeface="+mn-ea"/>
+                <a:cs typeface="+mn-cs"/>
+              </a:defRPr>
+            </a:lvl9pPr>
+          </a:lstStyle>
+          <a:p>
+            <a:r>
+              <a:rPr lang="it-IT" dirty="0"/>
               <a:t>Demo</a:t>
             </a:r>
-            <a:endParaRPr lang="it-CH" sz="3600" dirty="0"/>
+            <a:endParaRPr lang="it-CH" dirty="0"/>
           </a:p>
         </p:txBody>
       </p:sp>
+      <p:pic>
+        <p:nvPicPr>
+          <p:cNvPr id="7" name="Immagine 6">
+            <a:extLst>
+              <a:ext uri="{FF2B5EF4-FFF2-40B4-BE49-F238E27FC236}">
+                <a16:creationId xmlns:a16="http://schemas.microsoft.com/office/drawing/2014/main" id="{2B4D34B8-6EE0-D66A-FDE5-EF9555856CCE}"/>
+              </a:ext>
+            </a:extLst>
+          </p:cNvPr>
+          <p:cNvPicPr>
+            <a:picLocks noChangeAspect="1"/>
+          </p:cNvPicPr>
+          <p:nvPr/>
+        </p:nvPicPr>
+        <p:blipFill>
+          <a:blip r:embed="rId2"/>
+          <a:srcRect r="3932"/>
+          <a:stretch/>
+        </p:blipFill>
+        <p:spPr>
+          <a:xfrm>
+            <a:off x="809582" y="1463676"/>
+            <a:ext cx="7524836" cy="3930648"/>
+          </a:xfrm>
+          <a:prstGeom prst="rect">
+            <a:avLst/>
+          </a:prstGeom>
+        </p:spPr>
+      </p:pic>
     </p:spTree>
     <p:extLst>
       <p:ext uri="{BB962C8B-B14F-4D97-AF65-F5344CB8AC3E}">
@@ -6355,7 +6674,7 @@
             </a:pPr>
             <a:r>
               <a:rPr lang="it-IT" dirty="0"/>
-              <a:t>Utilizzo componente http-client</a:t>
+              <a:t>Http client</a:t>
             </a:r>
           </a:p>
           <a:p>
@@ -6392,12 +6711,8 @@
               <a:buAutoNum type="arabicPeriod"/>
             </a:pPr>
             <a:r>
-              <a:rPr lang="it-IT" dirty="0"/>
-              <a:t>Utilizzo componente </a:t>
-            </a:r>
-            <a:r>
-              <a:rPr lang="it-IT" dirty="0" err="1"/>
-              <a:t>sidebar</a:t>
+              <a:rPr lang="it-IT" dirty="0" err="1"/>
+              <a:t>Sidebar</a:t>
             </a:r>
             <a:endParaRPr lang="it-IT" dirty="0"/>
           </a:p>
@@ -6736,7 +7051,7 @@
             </a:pPr>
             <a:r>
               <a:rPr lang="it-IT" sz="1600" dirty="0"/>
-              <a:t>Framework open-source per la creazione di applicazioni web moderne e dinamiche, sviluppato da Google.</a:t>
+              <a:t>Open-source, creazione di applicazioni web moderne e dinamiche.</a:t>
             </a:r>
           </a:p>
           <a:p>
@@ -6746,6 +7061,16 @@
             </a:pPr>
             <a:r>
               <a:rPr lang="it-IT" sz="1600" dirty="0"/>
+              <a:t>Sviluppato da Google.</a:t>
+            </a:r>
+          </a:p>
+          <a:p>
+            <a:pPr marL="285750" indent="-285750">
+              <a:buFont typeface="Arial" panose="020B0604020202020204" pitchFamily="34" charset="0"/>
+              <a:buChar char="•"/>
+            </a:pPr>
+            <a:r>
+              <a:rPr lang="it-IT" sz="1600" dirty="0"/>
               <a:t>È costruito su </a:t>
             </a:r>
             <a:r>
@@ -6756,6 +7081,8 @@
               <a:rPr lang="it-IT" sz="1600" dirty="0"/>
               <a:t>, un superset di JavaScript che aggiunge il supporto per i tipi statici e migliora la qualità del codice.</a:t>
             </a:r>
+          </a:p>
+          <a:p>
             <a:endParaRPr lang="it-IT" sz="1600" dirty="0">
               <a:solidFill>
                 <a:schemeClr val="accent6">
@@ -6824,7 +7151,7 @@
             </a:r>
             <a:r>
               <a:rPr lang="it-IT" sz="1600" dirty="0"/>
-              <a:t>Two-way data Binding, sincronizza automaticamente il modello e la vista senza scrivere codice aggiuntivo. Cambiamenti subito visibili</a:t>
+              <a:t>Two-way data Binding, cambiamenti subito visibili</a:t>
             </a:r>
           </a:p>
           <a:p>
@@ -6847,40 +7174,8 @@
             </a:r>
             <a:r>
               <a:rPr lang="it-IT" sz="1600" dirty="0"/>
-              <a:t>fornisce un sistema di Routing integrato per la navigazione tra le pagine, permettendo la creazione di Single Page Applications (SPA).</a:t>
-            </a:r>
-          </a:p>
-          <a:p>
-            <a:pPr marL="457200" lvl="1" indent="0">
-              <a:buNone/>
-            </a:pPr>
-            <a:endParaRPr lang="it-IT" sz="1600" dirty="0"/>
-          </a:p>
-          <a:p>
-            <a:pPr lvl="1"/>
-            <a:r>
-              <a:rPr lang="it-IT" sz="1600" dirty="0">
-                <a:solidFill>
-                  <a:schemeClr val="accent6">
-                    <a:lumMod val="75000"/>
-                  </a:schemeClr>
-                </a:solidFill>
-              </a:rPr>
-              <a:t>Dependency Injection (DI): </a:t>
-            </a:r>
-            <a:r>
-              <a:rPr lang="it-IT" sz="1600" dirty="0"/>
-              <a:t>Un sistema che semplifica la gestione delle dipendenze tra le classi e migliora la testabilità del codice.</a:t>
-            </a:r>
-          </a:p>
-          <a:p>
-            <a:endParaRPr lang="it-IT" sz="1800" dirty="0">
-              <a:solidFill>
-                <a:schemeClr val="accent6">
-                  <a:lumMod val="75000"/>
-                </a:schemeClr>
-              </a:solidFill>
-            </a:endParaRPr>
+              <a:t>Permette la creazione di SPA (Single Page Application).</a:t>
+            </a:r>
           </a:p>
         </p:txBody>
       </p:sp>
@@ -7010,6 +7305,28 @@
           <a:lstStyle/>
           <a:p>
             <a:r>
+              <a:rPr lang="it-IT" sz="2000" dirty="0">
+                <a:solidFill>
+                  <a:schemeClr val="accent6">
+                    <a:lumMod val="75000"/>
+                  </a:schemeClr>
+                </a:solidFill>
+              </a:rPr>
+              <a:t>Vantaggi tecnici</a:t>
+            </a:r>
+          </a:p>
+          <a:p>
+            <a:endParaRPr lang="it-IT" sz="1600" dirty="0">
+              <a:solidFill>
+                <a:schemeClr val="accent6">
+                  <a:lumMod val="75000"/>
+                </a:schemeClr>
+              </a:solidFill>
+            </a:endParaRPr>
+          </a:p>
+          <a:p>
+            <a:pPr lvl="1"/>
+            <a:r>
               <a:rPr lang="it-IT" sz="1800" dirty="0">
                 <a:solidFill>
                   <a:schemeClr val="accent6">
@@ -7017,11 +7334,166 @@
                   </a:schemeClr>
                 </a:solidFill>
               </a:rPr>
-              <a:t>Vantaggi tecnici</a:t>
-            </a:r>
-          </a:p>
-          <a:p>
-            <a:endParaRPr lang="it-IT" dirty="0">
+              <a:t>DI (</a:t>
+            </a:r>
+            <a:r>
+              <a:rPr lang="it-IT" sz="1800" dirty="0" err="1">
+                <a:solidFill>
+                  <a:schemeClr val="accent6">
+                    <a:lumMod val="75000"/>
+                  </a:schemeClr>
+                </a:solidFill>
+              </a:rPr>
+              <a:t>Dependency</a:t>
+            </a:r>
+            <a:r>
+              <a:rPr lang="it-IT" sz="1800" dirty="0">
+                <a:solidFill>
+                  <a:schemeClr val="accent6">
+                    <a:lumMod val="75000"/>
+                  </a:schemeClr>
+                </a:solidFill>
+              </a:rPr>
+              <a:t> injection): </a:t>
+            </a:r>
+            <a:r>
+              <a:rPr lang="it-IT" sz="1800" dirty="0"/>
+              <a:t>Sistema di iniezione delle dipendenze integrato e potente. Favorisce un codice più </a:t>
+            </a:r>
+            <a:r>
+              <a:rPr lang="it-IT" sz="1800" dirty="0" err="1"/>
+              <a:t>decoupled</a:t>
+            </a:r>
+            <a:r>
+              <a:rPr lang="it-IT" sz="1800" dirty="0"/>
+              <a:t>, testabile e riutilizzabile.</a:t>
+            </a:r>
+          </a:p>
+          <a:p>
+            <a:pPr marL="457200" lvl="1" indent="0">
+              <a:buNone/>
+            </a:pPr>
+            <a:endParaRPr lang="it-IT" sz="1800" dirty="0"/>
+          </a:p>
+          <a:p>
+            <a:pPr lvl="1"/>
+            <a:r>
+              <a:rPr lang="it-IT" sz="1800" dirty="0">
+                <a:solidFill>
+                  <a:schemeClr val="accent6">
+                    <a:lumMod val="75000"/>
+                  </a:schemeClr>
+                </a:solidFill>
+              </a:rPr>
+              <a:t>Programmazione Reattiva con </a:t>
+            </a:r>
+            <a:r>
+              <a:rPr lang="it-IT" sz="1800" dirty="0" err="1">
+                <a:solidFill>
+                  <a:schemeClr val="accent6">
+                    <a:lumMod val="75000"/>
+                  </a:schemeClr>
+                </a:solidFill>
+              </a:rPr>
+              <a:t>RxJS</a:t>
+            </a:r>
+            <a:r>
+              <a:rPr lang="it-IT" sz="1800" dirty="0">
+                <a:solidFill>
+                  <a:schemeClr val="accent6">
+                    <a:lumMod val="75000"/>
+                  </a:schemeClr>
+                </a:solidFill>
+              </a:rPr>
+              <a:t>: </a:t>
+            </a:r>
+            <a:r>
+              <a:rPr lang="it-IT" sz="1800" dirty="0"/>
+              <a:t>Gestione di flussi di dati asincroni tramite </a:t>
+            </a:r>
+            <a:r>
+              <a:rPr lang="it-IT" sz="1800" b="1" dirty="0"/>
+              <a:t>osservabili.</a:t>
+            </a:r>
+          </a:p>
+          <a:p>
+            <a:pPr marL="457200" lvl="1" indent="0">
+              <a:buNone/>
+            </a:pPr>
+            <a:endParaRPr lang="it-IT" sz="1800" dirty="0"/>
+          </a:p>
+          <a:p>
+            <a:pPr lvl="1"/>
+            <a:r>
+              <a:rPr lang="it-IT" sz="1800" dirty="0" err="1">
+                <a:solidFill>
+                  <a:schemeClr val="accent6">
+                    <a:lumMod val="75000"/>
+                  </a:schemeClr>
+                </a:solidFill>
+              </a:rPr>
+              <a:t>Angular</a:t>
+            </a:r>
+            <a:r>
+              <a:rPr lang="it-IT" sz="1800" dirty="0">
+                <a:solidFill>
+                  <a:schemeClr val="accent6">
+                    <a:lumMod val="75000"/>
+                  </a:schemeClr>
+                </a:solidFill>
+              </a:rPr>
+              <a:t> CLI: </a:t>
+            </a:r>
+            <a:r>
+              <a:rPr lang="it-IT" sz="1800" dirty="0"/>
+              <a:t>Strumento dedicato per generare risorse e gestire il ciclo di vita dell’app.</a:t>
+            </a:r>
+          </a:p>
+          <a:p>
+            <a:pPr marL="457200" lvl="1" indent="0">
+              <a:buNone/>
+            </a:pPr>
+            <a:endParaRPr lang="it-IT" sz="1800" dirty="0">
+              <a:latin typeface="-webkit-standard"/>
+            </a:endParaRPr>
+          </a:p>
+          <a:p>
+            <a:pPr lvl="1"/>
+            <a:r>
+              <a:rPr lang="it-IT" sz="1800" dirty="0">
+                <a:solidFill>
+                  <a:schemeClr val="accent6">
+                    <a:lumMod val="75000"/>
+                  </a:schemeClr>
+                </a:solidFill>
+              </a:rPr>
+              <a:t>Testabilità Integrata: </a:t>
+            </a:r>
+            <a:r>
+              <a:rPr lang="it-IT" sz="1800" dirty="0"/>
+              <a:t>Facile scrittura di </a:t>
+            </a:r>
+            <a:r>
+              <a:rPr lang="it-IT" sz="1800" b="1" dirty="0" err="1"/>
+              <a:t>unit</a:t>
+            </a:r>
+            <a:r>
+              <a:rPr lang="it-IT" sz="1800" b="1" dirty="0"/>
+              <a:t> test </a:t>
+            </a:r>
+            <a:r>
+              <a:rPr lang="it-IT" sz="1800" dirty="0"/>
+              <a:t>e </a:t>
+            </a:r>
+            <a:r>
+              <a:rPr lang="it-IT" sz="1800" b="1" dirty="0"/>
+              <a:t>end-to-end test</a:t>
+            </a:r>
+            <a:r>
+              <a:rPr lang="it-IT" sz="1800" dirty="0"/>
+              <a:t>.</a:t>
+            </a:r>
+            <a:endParaRPr lang="en-GB" sz="1800" dirty="0">
               <a:solidFill>
                 <a:schemeClr val="accent6">
                   <a:lumMod val="75000"/>
@@ -7031,284 +7503,16 @@
           </a:p>
           <a:p>
             <a:pPr lvl="1"/>
-            <a:r>
-              <a:rPr lang="it-IT" sz="1600" dirty="0">
-                <a:solidFill>
-                  <a:schemeClr val="accent6">
-                    <a:lumMod val="75000"/>
-                  </a:schemeClr>
-                </a:solidFill>
-              </a:rPr>
-              <a:t>Architettura Modulare: </a:t>
-            </a:r>
-            <a:r>
-              <a:rPr lang="it-IT" sz="1600" dirty="0"/>
-              <a:t>Angular utilizza un pattern simile  a </a:t>
-            </a:r>
-            <a:r>
-              <a:rPr lang="it-IT" sz="1600" b="1" dirty="0"/>
-              <a:t>Model-</a:t>
-            </a:r>
-            <a:r>
-              <a:rPr lang="it-IT" sz="1600" b="1" dirty="0" err="1"/>
-              <a:t>View</a:t>
-            </a:r>
-            <a:r>
-              <a:rPr lang="it-IT" sz="1600" b="1" dirty="0"/>
-              <a:t>-Controller</a:t>
-            </a:r>
-            <a:r>
-              <a:rPr lang="it-IT" sz="1600" dirty="0"/>
-              <a:t>, separando i dati, la logica di visualizzazione e il comportamento dell’app.</a:t>
-            </a:r>
-          </a:p>
-          <a:p>
-            <a:pPr marL="457200" lvl="1" indent="0">
-              <a:buNone/>
-            </a:pPr>
             <a:endParaRPr lang="it-IT" sz="1600" dirty="0"/>
           </a:p>
           <a:p>
-            <a:pPr lvl="1"/>
-            <a:r>
-              <a:rPr lang="it-IT" sz="1600" dirty="0">
-                <a:solidFill>
-                  <a:schemeClr val="accent6">
-                    <a:lumMod val="75000"/>
-                  </a:schemeClr>
-                </a:solidFill>
-              </a:rPr>
-              <a:t>Iniezione delle Dipendenze: </a:t>
-            </a:r>
-            <a:r>
-              <a:rPr lang="it-IT" sz="1600" dirty="0"/>
-              <a:t>Gestione delle dipendenze e miglior testabilità del codice.</a:t>
-            </a:r>
-          </a:p>
-          <a:p>
-            <a:pPr marL="457200" lvl="1" indent="0">
-              <a:buNone/>
-            </a:pPr>
-            <a:endParaRPr lang="it-IT" sz="1600" dirty="0"/>
-          </a:p>
-          <a:p>
-            <a:pPr lvl="1"/>
-            <a:r>
-              <a:rPr lang="it-IT" sz="1600" dirty="0">
-                <a:solidFill>
-                  <a:schemeClr val="accent6">
-                    <a:lumMod val="75000"/>
-                  </a:schemeClr>
-                </a:solidFill>
-              </a:rPr>
-              <a:t>Programmazione Reattiva con </a:t>
-            </a:r>
-            <a:r>
-              <a:rPr lang="it-IT" sz="1600" dirty="0" err="1">
-                <a:solidFill>
-                  <a:schemeClr val="accent6">
-                    <a:lumMod val="75000"/>
-                  </a:schemeClr>
-                </a:solidFill>
-              </a:rPr>
-              <a:t>RxJS</a:t>
-            </a:r>
-            <a:r>
-              <a:rPr lang="it-IT" sz="1600" dirty="0">
-                <a:solidFill>
-                  <a:schemeClr val="accent6">
-                    <a:lumMod val="75000"/>
-                  </a:schemeClr>
-                </a:solidFill>
-              </a:rPr>
-              <a:t>: </a:t>
-            </a:r>
-            <a:r>
-              <a:rPr lang="it-IT" sz="1600" dirty="0"/>
-              <a:t>Gestione di flussi di dati asincroni tramite </a:t>
-            </a:r>
-            <a:r>
-              <a:rPr lang="it-IT" sz="1600" b="1" dirty="0"/>
-              <a:t>osservabili.</a:t>
-            </a:r>
-          </a:p>
-          <a:p>
-            <a:pPr marL="457200" lvl="1" indent="0">
-              <a:buNone/>
-            </a:pPr>
-            <a:endParaRPr lang="it-IT" sz="1600" dirty="0"/>
-          </a:p>
-          <a:p>
-            <a:pPr lvl="1"/>
-            <a:r>
-              <a:rPr lang="it-IT" sz="1600" dirty="0">
-                <a:solidFill>
-                  <a:schemeClr val="accent6">
-                    <a:lumMod val="75000"/>
-                  </a:schemeClr>
-                </a:solidFill>
-              </a:rPr>
-              <a:t>Angular CLI: </a:t>
-            </a:r>
-            <a:r>
-              <a:rPr lang="it-IT" sz="1600" dirty="0"/>
-              <a:t>Strumento per generare risorse e gestire il ciclo di vita dell’app.</a:t>
-            </a:r>
-          </a:p>
-          <a:p>
-            <a:pPr marL="457200" lvl="1" indent="0">
-              <a:buNone/>
-            </a:pPr>
-            <a:endParaRPr lang="it-IT" sz="1600" dirty="0"/>
-          </a:p>
-          <a:p>
-            <a:pPr lvl="1"/>
-            <a:r>
-              <a:rPr lang="it-IT" sz="1600" dirty="0">
-                <a:solidFill>
-                  <a:schemeClr val="accent6">
-                    <a:lumMod val="75000"/>
-                  </a:schemeClr>
-                </a:solidFill>
-              </a:rPr>
-              <a:t>Performance: </a:t>
-            </a:r>
-            <a:r>
-              <a:rPr lang="it-IT" sz="1600" b="1" dirty="0" err="1"/>
-              <a:t>Change</a:t>
-            </a:r>
-            <a:r>
-              <a:rPr lang="it-IT" sz="1600" b="1" dirty="0"/>
-              <a:t> </a:t>
-            </a:r>
-            <a:r>
-              <a:rPr lang="it-IT" sz="1600" b="1" dirty="0" err="1"/>
-              <a:t>Detection</a:t>
-            </a:r>
-            <a:r>
-              <a:rPr lang="it-IT" sz="1600" dirty="0"/>
-              <a:t>, </a:t>
-            </a:r>
-            <a:r>
-              <a:rPr lang="it-IT" sz="1600" b="1" dirty="0" err="1"/>
-              <a:t>Lazy</a:t>
-            </a:r>
-            <a:r>
-              <a:rPr lang="it-IT" sz="1600" b="1" dirty="0"/>
-              <a:t> Loading</a:t>
-            </a:r>
-            <a:r>
-              <a:rPr lang="it-IT" sz="1600" dirty="0"/>
-              <a:t> e </a:t>
-            </a:r>
-            <a:r>
-              <a:rPr lang="it-IT" sz="1600" b="1" dirty="0"/>
-              <a:t>Tree-</a:t>
-            </a:r>
-            <a:r>
-              <a:rPr lang="it-IT" sz="1600" b="1" dirty="0" err="1"/>
-              <a:t>shaking</a:t>
-            </a:r>
-            <a:r>
-              <a:rPr lang="it-IT" sz="1600" dirty="0"/>
-              <a:t> per ridurre i tempi di caricamento.</a:t>
-            </a:r>
-          </a:p>
-          <a:p>
-            <a:pPr lvl="1"/>
-            <a:endParaRPr lang="it-IT" sz="1600" dirty="0">
-              <a:latin typeface="-webkit-standard"/>
-            </a:endParaRPr>
-          </a:p>
-          <a:p>
-            <a:pPr lvl="1"/>
-            <a:r>
-              <a:rPr lang="it-IT" sz="1600" dirty="0">
-                <a:solidFill>
-                  <a:schemeClr val="accent6">
-                    <a:lumMod val="75000"/>
-                  </a:schemeClr>
-                </a:solidFill>
-              </a:rPr>
-              <a:t>Testabilità Integrata: </a:t>
-            </a:r>
-            <a:r>
-              <a:rPr lang="it-IT" sz="1600" dirty="0"/>
-              <a:t>Facile scrittura di </a:t>
-            </a:r>
-            <a:r>
-              <a:rPr lang="it-IT" sz="1600" b="1" dirty="0" err="1"/>
-              <a:t>unit</a:t>
-            </a:r>
-            <a:r>
-              <a:rPr lang="it-IT" sz="1600" b="1" dirty="0"/>
-              <a:t> test </a:t>
-            </a:r>
-            <a:r>
-              <a:rPr lang="it-IT" sz="1600" dirty="0"/>
-              <a:t>e </a:t>
-            </a:r>
-            <a:r>
-              <a:rPr lang="it-IT" sz="1600" b="1" dirty="0"/>
-              <a:t>end-to-end test</a:t>
-            </a:r>
-            <a:r>
-              <a:rPr lang="it-IT" sz="1600" dirty="0"/>
-              <a:t>.</a:t>
-            </a:r>
-            <a:endParaRPr lang="en-GB" sz="1600" dirty="0">
+            <a:endParaRPr lang="it-IT" sz="2000" dirty="0">
               <a:solidFill>
                 <a:schemeClr val="accent6">
                   <a:lumMod val="75000"/>
                 </a:schemeClr>
               </a:solidFill>
             </a:endParaRPr>
-          </a:p>
-          <a:p>
-            <a:pPr lvl="1"/>
-            <a:endParaRPr lang="it-IT" sz="1400" dirty="0"/>
-          </a:p>
-          <a:p>
-            <a:endParaRPr lang="it-IT" sz="1800" dirty="0">
-              <a:solidFill>
-                <a:schemeClr val="accent6">
-                  <a:lumMod val="75000"/>
-                </a:schemeClr>
-              </a:solidFill>
-            </a:endParaRPr>
-          </a:p>
-        </p:txBody>
-      </p:sp>
-      <p:sp>
-        <p:nvSpPr>
-          <p:cNvPr id="3" name="Segnaposto testo 2">
-            <a:extLst>
-              <a:ext uri="{FF2B5EF4-FFF2-40B4-BE49-F238E27FC236}">
-                <a16:creationId xmlns:a16="http://schemas.microsoft.com/office/drawing/2014/main" id="{98441EB1-BA79-F0B1-DB6E-4F48C6900FAF}"/>
-              </a:ext>
-            </a:extLst>
-          </p:cNvPr>
-          <p:cNvSpPr>
-            <a:spLocks noGrp="1"/>
-          </p:cNvSpPr>
-          <p:nvPr>
-            <p:ph type="body" sz="quarter" idx="14"/>
-          </p:nvPr>
-        </p:nvSpPr>
-        <p:spPr>
-          <a:xfrm>
-            <a:off x="323528" y="980728"/>
-            <a:ext cx="7848872" cy="929048"/>
-          </a:xfrm>
-        </p:spPr>
-        <p:txBody>
-          <a:bodyPr/>
-          <a:lstStyle/>
-          <a:p>
-            <a:r>
-              <a:rPr lang="it-IT" sz="2800" dirty="0"/>
-              <a:t>Framework - Angular</a:t>
-            </a:r>
           </a:p>
         </p:txBody>
       </p:sp>
@@ -7342,6 +7546,39 @@
           </a:prstGeom>
         </p:spPr>
       </p:pic>
+      <p:sp>
+        <p:nvSpPr>
+          <p:cNvPr id="7" name="Segnaposto testo 2">
+            <a:extLst>
+              <a:ext uri="{FF2B5EF4-FFF2-40B4-BE49-F238E27FC236}">
+                <a16:creationId xmlns:a16="http://schemas.microsoft.com/office/drawing/2014/main" id="{90BD7CBF-416B-B082-70C5-CEAA35A6CE4A}"/>
+              </a:ext>
+            </a:extLst>
+          </p:cNvPr>
+          <p:cNvSpPr>
+            <a:spLocks noGrp="1"/>
+          </p:cNvSpPr>
+          <p:nvPr>
+            <p:ph type="body" sz="quarter" idx="14"/>
+          </p:nvPr>
+        </p:nvSpPr>
+        <p:spPr>
+          <a:xfrm>
+            <a:off x="323528" y="702536"/>
+            <a:ext cx="7848872" cy="929048"/>
+          </a:xfrm>
+        </p:spPr>
+        <p:txBody>
+          <a:bodyPr/>
+          <a:lstStyle/>
+          <a:p>
+            <a:r>
+              <a:rPr lang="it-IT" sz="2800" dirty="0"/>
+              <a:t>Framework - Angular</a:t>
+            </a:r>
+          </a:p>
+        </p:txBody>
+      </p:sp>
     </p:spTree>
     <p:extLst>
       <p:ext uri="{BB962C8B-B14F-4D97-AF65-F5344CB8AC3E}">
@@ -7407,7 +7644,7 @@
               </a:spcAft>
             </a:pPr>
             <a:r>
-              <a:rPr lang="it-IT" sz="1600" b="1" dirty="0">
+              <a:rPr lang="it-IT" sz="1800" b="1" dirty="0">
                 <a:effectLst/>
               </a:rPr>
               <a:t>HTTP Client Component</a:t>
@@ -7423,7 +7660,7 @@
               </a:spcAft>
             </a:pPr>
             <a:r>
-              <a:rPr lang="it-IT" sz="1600" b="1" dirty="0">
+              <a:rPr lang="it-IT" sz="1800" b="1" dirty="0">
                 <a:effectLst/>
               </a:rPr>
               <a:t>Funzionalità Principali:</a:t>
@@ -7441,12 +7678,12 @@
               <a:buChar char="•"/>
             </a:pPr>
             <a:r>
-              <a:rPr lang="it-IT" sz="1600" dirty="0">
+              <a:rPr lang="it-IT" sz="1800" dirty="0">
                 <a:effectLst/>
               </a:rPr>
               <a:t>Gestisce la UI principale per la creazione e l'invio delle richieste HTTP.</a:t>
             </a:r>
-            <a:endParaRPr lang="it-IT" sz="1600" b="1" dirty="0">
+            <a:endParaRPr lang="it-IT" sz="1800" b="1" dirty="0">
               <a:effectLst/>
             </a:endParaRPr>
           </a:p>
@@ -7462,7 +7699,7 @@
               <a:buChar char="•"/>
             </a:pPr>
             <a:r>
-              <a:rPr lang="it-IT" sz="1600" dirty="0">
+              <a:rPr lang="it-IT" sz="1800" dirty="0">
                 <a:effectLst/>
               </a:rPr>
               <a:t>Interfaccia intuitiva per la configurazione delle richieste</a:t>
@@ -7480,19 +7717,19 @@
               <a:buChar char="•"/>
             </a:pPr>
             <a:r>
-              <a:rPr lang="it-IT" sz="1600" dirty="0">
+              <a:rPr lang="it-IT" sz="1800" dirty="0">
                 <a:effectLst/>
               </a:rPr>
               <a:t>Supporto per </a:t>
             </a:r>
             <a:r>
-              <a:rPr lang="it-IT" sz="1600" dirty="0" err="1">
+              <a:rPr lang="it-IT" sz="1800" dirty="0" err="1">
                 <a:effectLst/>
               </a:rPr>
               <a:t>headers</a:t>
             </a:r>
             <a:r>
-              <a:rPr lang="it-IT" sz="1600" dirty="0">
+              <a:rPr lang="it-IT" sz="1800" dirty="0">
                 <a:effectLst/>
               </a:rPr>
               <a:t> personalizzati</a:t>
@@ -7510,7 +7747,7 @@
               <a:buChar char="•"/>
             </a:pPr>
             <a:r>
-              <a:rPr lang="it-IT" sz="1600" dirty="0">
+              <a:rPr lang="it-IT" sz="1800" dirty="0">
                 <a:effectLst/>
               </a:rPr>
               <a:t>Visualizzazione dettagliata delle risposte</a:t>
@@ -7528,7 +7765,7 @@
               <a:buChar char="•"/>
             </a:pPr>
             <a:r>
-              <a:rPr lang="it-IT" sz="1600" dirty="0">
+              <a:rPr lang="it-IT" sz="1800" dirty="0">
                 <a:effectLst/>
               </a:rPr>
               <a:t>Integrazione con il sistema di collezioni</a:t>
@@ -7546,19 +7783,19 @@
               <a:buChar char="•"/>
             </a:pPr>
             <a:r>
-              <a:rPr lang="it-IT" sz="1600" dirty="0">
+              <a:rPr lang="it-IT" sz="1800" dirty="0">
                 <a:effectLst/>
               </a:rPr>
               <a:t>Include il </a:t>
             </a:r>
             <a:r>
-              <a:rPr lang="it-IT" sz="1600" dirty="0" err="1">
+              <a:rPr lang="it-IT" sz="1800" dirty="0" err="1">
                 <a:effectLst/>
               </a:rPr>
               <a:t>SidebarComponent</a:t>
             </a:r>
             <a:r>
-              <a:rPr lang="it-IT" sz="1600" dirty="0">
+              <a:rPr lang="it-IT" sz="1800" dirty="0">
                 <a:effectLst/>
               </a:rPr>
               <a:t> al suo interno.</a:t>
@@ -7576,31 +7813,31 @@
               <a:buChar char="•"/>
             </a:pPr>
             <a:r>
-              <a:rPr lang="it-IT" sz="1600" dirty="0">
+              <a:rPr lang="it-IT" sz="1800" dirty="0">
                 <a:effectLst/>
               </a:rPr>
               <a:t>Comunica con </a:t>
             </a:r>
             <a:r>
-              <a:rPr lang="it-IT" sz="1600" dirty="0" err="1">
+              <a:rPr lang="it-IT" sz="1800" dirty="0" err="1">
                 <a:effectLst/>
               </a:rPr>
               <a:t>AppComponent</a:t>
             </a:r>
             <a:r>
-              <a:rPr lang="it-IT" sz="1600" dirty="0">
+              <a:rPr lang="it-IT" sz="1800" dirty="0">
                 <a:effectLst/>
               </a:rPr>
               <a:t> tramite @Output per eventi come </a:t>
             </a:r>
             <a:r>
-              <a:rPr lang="it-IT" sz="1600" dirty="0" err="1">
+              <a:rPr lang="it-IT" sz="1800" dirty="0" err="1">
                 <a:effectLst/>
               </a:rPr>
               <a:t>onResponseMessageClick</a:t>
             </a:r>
             <a:r>
-              <a:rPr lang="it-IT" sz="1600" dirty="0">
+              <a:rPr lang="it-IT" sz="1800" dirty="0">
                 <a:effectLst/>
               </a:rPr>
               <a:t>.</a:t>
@@ -7608,9 +7845,9 @@
           </a:p>
           <a:p>
             <a:br>
-              <a:rPr lang="it-IT" sz="1600" dirty="0"/>
+              <a:rPr lang="it-IT" sz="1800" dirty="0"/>
             </a:br>
-            <a:endParaRPr lang="it-CH" sz="1600" dirty="0"/>
+            <a:endParaRPr lang="it-CH" sz="1800" dirty="0"/>
           </a:p>
         </p:txBody>
       </p:sp>
@@ -7678,40 +7915,6 @@
           <a:chExt cx="0" cy="0"/>
         </a:xfrm>
       </p:grpSpPr>
-      <p:sp>
-        <p:nvSpPr>
-          <p:cNvPr id="3" name="Segnaposto testo 2">
-            <a:extLst>
-              <a:ext uri="{FF2B5EF4-FFF2-40B4-BE49-F238E27FC236}">
-                <a16:creationId xmlns:a16="http://schemas.microsoft.com/office/drawing/2014/main" id="{877A43C1-0F0C-4D70-985D-7F882FA089F6}"/>
-              </a:ext>
-            </a:extLst>
-          </p:cNvPr>
-          <p:cNvSpPr>
-            <a:spLocks noGrp="1"/>
-          </p:cNvSpPr>
-          <p:nvPr>
-            <p:ph type="body" sz="quarter" idx="14"/>
-          </p:nvPr>
-        </p:nvSpPr>
-        <p:spPr>
-          <a:xfrm>
-            <a:off x="323528" y="872657"/>
-            <a:ext cx="7848872" cy="929048"/>
-          </a:xfrm>
-        </p:spPr>
-        <p:txBody>
-          <a:bodyPr/>
-          <a:lstStyle/>
-          <a:p>
-            <a:r>
-              <a:rPr lang="it-IT" dirty="0"/>
-              <a:t>Utilizzo componente http-client</a:t>
-            </a:r>
-            <a:endParaRPr lang="it-CH" dirty="0"/>
-          </a:p>
-        </p:txBody>
-      </p:sp>
       <p:pic>
         <p:nvPicPr>
           <p:cNvPr id="7" name="Immagine 6">
@@ -7734,8 +7937,8 @@
         </p:blipFill>
         <p:spPr>
           <a:xfrm>
-            <a:off x="347557" y="1700808"/>
-            <a:ext cx="6896377" cy="1368152"/>
+            <a:off x="654296" y="1412776"/>
+            <a:ext cx="7259344" cy="1440160"/>
           </a:xfrm>
           <a:prstGeom prst="rect">
             <a:avLst/>
@@ -7757,7 +7960,7 @@
         <p:spPr>
           <a:xfrm>
             <a:off x="107504" y="3573016"/>
-            <a:ext cx="8280920" cy="2682786"/>
+            <a:ext cx="8280920" cy="2436564"/>
           </a:xfrm>
           <a:prstGeom prst="rect">
             <a:avLst/>
@@ -7909,74 +8112,221 @@
               <a:rPr lang="it-IT" sz="1600" dirty="0">
                 <a:effectLst/>
               </a:rPr>
-              <a:t>: Quando c'è un clic su un messaggio di risposta, viene attivato un evento chiamato </a:t>
+              <a:t>: Quando c'è un clic su un messaggio di risposta, viene attivato un evento. Questo evento chiama una funzione nel componente principale, per gestire cosa succede quando un messaggio di risposta viene cliccato(</a:t>
+            </a:r>
+            <a:r>
+              <a:rPr lang="it-IT" sz="1600" dirty="0" err="1"/>
+              <a:t>d</a:t>
+            </a:r>
+            <a:r>
+              <a:rPr lang="it-IT" sz="1600" dirty="0" err="1">
+                <a:effectLst/>
+              </a:rPr>
+              <a:t>ialog</a:t>
             </a:r>
             <a:r>
               <a:rPr lang="it-IT" sz="1600" dirty="0">
                 <a:effectLst/>
-                <a:latin typeface="Consolas" panose="020B0609020204030204" pitchFamily="49" charset="0"/>
-              </a:rPr>
-              <a:t>(</a:t>
-            </a:r>
-            <a:r>
-              <a:rPr lang="it-IT" sz="1600" dirty="0" err="1">
-                <a:effectLst/>
-                <a:latin typeface="Consolas" panose="020B0609020204030204" pitchFamily="49" charset="0"/>
-              </a:rPr>
-              <a:t>onResponseMessageClick</a:t>
-            </a:r>
-            <a:r>
-              <a:rPr lang="it-IT" sz="1600" dirty="0">
-                <a:effectLst/>
-                <a:latin typeface="Consolas" panose="020B0609020204030204" pitchFamily="49" charset="0"/>
-              </a:rPr>
-              <a:t>)</a:t>
-            </a:r>
-            <a:r>
-              <a:rPr lang="it-IT" sz="1600" dirty="0">
-                <a:effectLst/>
-              </a:rPr>
-              <a:t>. Questo evento chiama una funzione nel componente principale, </a:t>
-            </a:r>
-            <a:r>
-              <a:rPr lang="it-IT" sz="1600" dirty="0" err="1">
-                <a:effectLst/>
-                <a:latin typeface="Consolas" panose="020B0609020204030204" pitchFamily="49" charset="0"/>
-              </a:rPr>
-              <a:t>handleResponseMessageClick</a:t>
-            </a:r>
-            <a:r>
-              <a:rPr lang="it-IT" sz="1600" dirty="0">
-                <a:effectLst/>
-                <a:latin typeface="Consolas" panose="020B0609020204030204" pitchFamily="49" charset="0"/>
-              </a:rPr>
-              <a:t>($event)</a:t>
-            </a:r>
-            <a:r>
-              <a:rPr lang="it-IT" sz="1600" dirty="0">
-                <a:effectLst/>
-              </a:rPr>
-              <a:t>, per gestire cosa succede quando un messaggio di risposta viene cliccato(</a:t>
-            </a:r>
-            <a:r>
-              <a:rPr lang="it-IT" sz="1600" dirty="0" err="1"/>
-              <a:t>d</a:t>
-            </a:r>
-            <a:r>
-              <a:rPr lang="it-IT" sz="1600" dirty="0" err="1">
-                <a:effectLst/>
-              </a:rPr>
-              <a:t>ialog</a:t>
-            </a:r>
-            <a:r>
-              <a:rPr lang="it-IT" sz="1600" dirty="0">
-                <a:effectLst/>
               </a:rPr>
               <a:t> con dettagli).</a:t>
             </a:r>
           </a:p>
           <a:p>
             <a:endParaRPr lang="it-CH" sz="1600" dirty="0"/>
+          </a:p>
+        </p:txBody>
+      </p:sp>
+      <p:sp>
+        <p:nvSpPr>
+          <p:cNvPr id="5" name="Segnaposto testo 2">
+            <a:extLst>
+              <a:ext uri="{FF2B5EF4-FFF2-40B4-BE49-F238E27FC236}">
+                <a16:creationId xmlns:a16="http://schemas.microsoft.com/office/drawing/2014/main" id="{BA8B7B77-ACD6-A4EF-01FC-92B0FCF642C8}"/>
+              </a:ext>
+            </a:extLst>
+          </p:cNvPr>
+          <p:cNvSpPr txBox="1">
+            <a:spLocks/>
+          </p:cNvSpPr>
+          <p:nvPr/>
+        </p:nvSpPr>
+        <p:spPr>
+          <a:xfrm>
+            <a:off x="359532" y="620688"/>
+            <a:ext cx="7848872" cy="929048"/>
+          </a:xfrm>
+          <a:prstGeom prst="rect">
+            <a:avLst/>
+          </a:prstGeom>
+        </p:spPr>
+        <p:txBody>
+          <a:bodyPr lIns="0" tIns="0" rIns="0" bIns="0"/>
+          <a:lstStyle>
+            <a:lvl1pPr marL="342900" marR="0" indent="-342900" algn="l" defTabSz="457200" rtl="0" eaLnBrk="0" fontAlgn="base" latinLnBrk="0" hangingPunct="0">
+              <a:lnSpc>
+                <a:spcPct val="100000"/>
+              </a:lnSpc>
+              <a:spcBef>
+                <a:spcPct val="20000"/>
+              </a:spcBef>
+              <a:spcAft>
+                <a:spcPct val="0"/>
+              </a:spcAft>
+              <a:buClrTx/>
+              <a:buSzTx/>
+              <a:buFont typeface="Arial" charset="0"/>
+              <a:buNone/>
+              <a:tabLst/>
+              <a:defRPr sz="2700" kern="1200" baseline="0">
+                <a:solidFill>
+                  <a:schemeClr val="accent6">
+                    <a:lumMod val="75000"/>
+                  </a:schemeClr>
+                </a:solidFill>
+                <a:latin typeface="+mn-lt"/>
+                <a:ea typeface="ＭＳ Ｐゴシック" pitchFamily="-128" charset="-128"/>
+                <a:cs typeface="ＭＳ Ｐゴシック" pitchFamily="-128" charset="-128"/>
+              </a:defRPr>
+            </a:lvl1pPr>
+            <a:lvl2pPr marL="742950" indent="-285750" algn="l" defTabSz="457200" rtl="0" eaLnBrk="1" fontAlgn="base" hangingPunct="1">
+              <a:spcBef>
+                <a:spcPct val="20000"/>
+              </a:spcBef>
+              <a:spcAft>
+                <a:spcPct val="0"/>
+              </a:spcAft>
+              <a:buFont typeface="Arial" charset="0"/>
+              <a:buChar char="–"/>
+              <a:defRPr sz="2800" kern="1200">
+                <a:solidFill>
+                  <a:schemeClr val="tx1"/>
+                </a:solidFill>
+                <a:latin typeface="+mn-lt"/>
+                <a:ea typeface="ＭＳ Ｐゴシック" pitchFamily="-128" charset="-128"/>
+                <a:cs typeface="+mn-cs"/>
+              </a:defRPr>
+            </a:lvl2pPr>
+            <a:lvl3pPr marL="1143000" indent="-228600" algn="l" defTabSz="457200" rtl="0" eaLnBrk="1" fontAlgn="base" hangingPunct="1">
+              <a:spcBef>
+                <a:spcPct val="20000"/>
+              </a:spcBef>
+              <a:spcAft>
+                <a:spcPct val="0"/>
+              </a:spcAft>
+              <a:buFont typeface="Arial" charset="0"/>
+              <a:buChar char="•"/>
+              <a:defRPr sz="2400" kern="1200">
+                <a:solidFill>
+                  <a:schemeClr val="tx1"/>
+                </a:solidFill>
+                <a:latin typeface="+mn-lt"/>
+                <a:ea typeface="ＭＳ Ｐゴシック" pitchFamily="-128" charset="-128"/>
+                <a:cs typeface="+mn-cs"/>
+              </a:defRPr>
+            </a:lvl3pPr>
+            <a:lvl4pPr marL="1600200" indent="-228600" algn="l" defTabSz="457200" rtl="0" eaLnBrk="1" fontAlgn="base" hangingPunct="1">
+              <a:spcBef>
+                <a:spcPct val="20000"/>
+              </a:spcBef>
+              <a:spcAft>
+                <a:spcPct val="0"/>
+              </a:spcAft>
+              <a:buFont typeface="Arial" charset="0"/>
+              <a:buChar char="–"/>
+              <a:defRPr sz="2000" kern="1200">
+                <a:solidFill>
+                  <a:schemeClr val="tx1"/>
+                </a:solidFill>
+                <a:latin typeface="+mn-lt"/>
+                <a:ea typeface="ＭＳ Ｐゴシック" pitchFamily="-128" charset="-128"/>
+                <a:cs typeface="+mn-cs"/>
+              </a:defRPr>
+            </a:lvl4pPr>
+            <a:lvl5pPr marL="2057400" indent="-228600" algn="l" defTabSz="457200" rtl="0" eaLnBrk="1" fontAlgn="base" hangingPunct="1">
+              <a:spcBef>
+                <a:spcPct val="20000"/>
+              </a:spcBef>
+              <a:spcAft>
+                <a:spcPct val="0"/>
+              </a:spcAft>
+              <a:buFont typeface="Arial" charset="0"/>
+              <a:buChar char="»"/>
+              <a:defRPr sz="2000" kern="1200">
+                <a:solidFill>
+                  <a:schemeClr val="tx1"/>
+                </a:solidFill>
+                <a:latin typeface="+mn-lt"/>
+                <a:ea typeface="ＭＳ Ｐゴシック" pitchFamily="-128" charset="-128"/>
+                <a:cs typeface="+mn-cs"/>
+              </a:defRPr>
+            </a:lvl5pPr>
+            <a:lvl6pPr marL="2514600" indent="-228600" algn="l" defTabSz="457200" rtl="0" eaLnBrk="1" latinLnBrk="0" hangingPunct="1">
+              <a:spcBef>
+                <a:spcPct val="20000"/>
+              </a:spcBef>
+              <a:buFont typeface="Arial"/>
+              <a:buChar char="•"/>
+              <a:defRPr sz="2000" kern="1200">
+                <a:solidFill>
+                  <a:schemeClr val="tx1"/>
+                </a:solidFill>
+                <a:latin typeface="+mn-lt"/>
+                <a:ea typeface="+mn-ea"/>
+                <a:cs typeface="+mn-cs"/>
+              </a:defRPr>
+            </a:lvl6pPr>
+            <a:lvl7pPr marL="2971800" indent="-228600" algn="l" defTabSz="457200" rtl="0" eaLnBrk="1" latinLnBrk="0" hangingPunct="1">
+              <a:spcBef>
+                <a:spcPct val="20000"/>
+              </a:spcBef>
+              <a:buFont typeface="Arial"/>
+              <a:buChar char="•"/>
+              <a:defRPr sz="2000" kern="1200">
+                <a:solidFill>
+                  <a:schemeClr val="tx1"/>
+                </a:solidFill>
+                <a:latin typeface="+mn-lt"/>
+                <a:ea typeface="+mn-ea"/>
+                <a:cs typeface="+mn-cs"/>
+              </a:defRPr>
+            </a:lvl7pPr>
+            <a:lvl8pPr marL="3429000" indent="-228600" algn="l" defTabSz="457200" rtl="0" eaLnBrk="1" latinLnBrk="0" hangingPunct="1">
+              <a:spcBef>
+                <a:spcPct val="20000"/>
+              </a:spcBef>
+              <a:buFont typeface="Arial"/>
+              <a:buChar char="•"/>
+              <a:defRPr sz="2000" kern="1200">
+                <a:solidFill>
+                  <a:schemeClr val="tx1"/>
+                </a:solidFill>
+                <a:latin typeface="+mn-lt"/>
+                <a:ea typeface="+mn-ea"/>
+                <a:cs typeface="+mn-cs"/>
+              </a:defRPr>
+            </a:lvl8pPr>
+            <a:lvl9pPr marL="3886200" indent="-228600" algn="l" defTabSz="457200" rtl="0" eaLnBrk="1" latinLnBrk="0" hangingPunct="1">
+              <a:spcBef>
+                <a:spcPct val="20000"/>
+              </a:spcBef>
+              <a:buFont typeface="Arial"/>
+              <a:buChar char="•"/>
+              <a:defRPr sz="2000" kern="1200">
+                <a:solidFill>
+                  <a:schemeClr val="tx1"/>
+                </a:solidFill>
+                <a:latin typeface="+mn-lt"/>
+                <a:ea typeface="+mn-ea"/>
+                <a:cs typeface="+mn-cs"/>
+              </a:defRPr>
+            </a:lvl9pPr>
+          </a:lstStyle>
+          <a:p>
+            <a:r>
+              <a:rPr lang="it-IT" dirty="0"/>
+              <a:t>HTTP Client</a:t>
+            </a:r>
+            <a:endParaRPr lang="it-CH" dirty="0"/>
           </a:p>
         </p:txBody>
       </p:sp>
@@ -8032,8 +8382,8 @@
         </p:blipFill>
         <p:spPr>
           <a:xfrm>
-            <a:off x="323528" y="692696"/>
-            <a:ext cx="8337198" cy="3312368"/>
+            <a:off x="359532" y="1411826"/>
+            <a:ext cx="8155955" cy="3240360"/>
           </a:xfrm>
           <a:prstGeom prst="rect">
             <a:avLst/>
@@ -8054,7 +8404,7 @@
         </p:nvSpPr>
         <p:spPr>
           <a:xfrm>
-            <a:off x="458417" y="4221088"/>
+            <a:off x="467544" y="4869160"/>
             <a:ext cx="7632848" cy="1815882"/>
           </a:xfrm>
           <a:prstGeom prst="rect">
@@ -8126,6 +8476,200 @@
               <a:rPr lang="it-IT" sz="1600" dirty="0"/>
             </a:br>
             <a:endParaRPr lang="it-CH" sz="1600" dirty="0"/>
+          </a:p>
+        </p:txBody>
+      </p:sp>
+      <p:sp>
+        <p:nvSpPr>
+          <p:cNvPr id="2" name="Segnaposto testo 2">
+            <a:extLst>
+              <a:ext uri="{FF2B5EF4-FFF2-40B4-BE49-F238E27FC236}">
+                <a16:creationId xmlns:a16="http://schemas.microsoft.com/office/drawing/2014/main" id="{05766048-ADF1-E0AD-FA8A-1B4716C5F38D}"/>
+              </a:ext>
+            </a:extLst>
+          </p:cNvPr>
+          <p:cNvSpPr txBox="1">
+            <a:spLocks/>
+          </p:cNvSpPr>
+          <p:nvPr/>
+        </p:nvSpPr>
+        <p:spPr>
+          <a:xfrm>
+            <a:off x="359532" y="620688"/>
+            <a:ext cx="7848872" cy="929048"/>
+          </a:xfrm>
+          <a:prstGeom prst="rect">
+            <a:avLst/>
+          </a:prstGeom>
+        </p:spPr>
+        <p:txBody>
+          <a:bodyPr lIns="0" tIns="0" rIns="0" bIns="0"/>
+          <a:lstStyle>
+            <a:lvl1pPr marL="342900" marR="0" indent="-342900" algn="l" defTabSz="457200" rtl="0" eaLnBrk="0" fontAlgn="base" latinLnBrk="0" hangingPunct="0">
+              <a:lnSpc>
+                <a:spcPct val="100000"/>
+              </a:lnSpc>
+              <a:spcBef>
+                <a:spcPct val="20000"/>
+              </a:spcBef>
+              <a:spcAft>
+                <a:spcPct val="0"/>
+              </a:spcAft>
+              <a:buClrTx/>
+              <a:buSzTx/>
+              <a:buFont typeface="Arial" charset="0"/>
+              <a:buNone/>
+              <a:tabLst/>
+              <a:defRPr sz="2700" kern="1200" baseline="0">
+                <a:solidFill>
+                  <a:schemeClr val="accent6">
+                    <a:lumMod val="75000"/>
+                  </a:schemeClr>
+                </a:solidFill>
+                <a:latin typeface="+mn-lt"/>
+                <a:ea typeface="ＭＳ Ｐゴシック" pitchFamily="-128" charset="-128"/>
+                <a:cs typeface="ＭＳ Ｐゴシック" pitchFamily="-128" charset="-128"/>
+              </a:defRPr>
+            </a:lvl1pPr>
+            <a:lvl2pPr marL="742950" indent="-285750" algn="l" defTabSz="457200" rtl="0" eaLnBrk="1" fontAlgn="base" hangingPunct="1">
+              <a:spcBef>
+                <a:spcPct val="20000"/>
+              </a:spcBef>
+              <a:spcAft>
+                <a:spcPct val="0"/>
+              </a:spcAft>
+              <a:buFont typeface="Arial" charset="0"/>
+              <a:buChar char="–"/>
+              <a:defRPr sz="2800" kern="1200">
+                <a:solidFill>
+                  <a:schemeClr val="tx1"/>
+                </a:solidFill>
+                <a:latin typeface="+mn-lt"/>
+                <a:ea typeface="ＭＳ Ｐゴシック" pitchFamily="-128" charset="-128"/>
+                <a:cs typeface="+mn-cs"/>
+              </a:defRPr>
+            </a:lvl2pPr>
+            <a:lvl3pPr marL="1143000" indent="-228600" algn="l" defTabSz="457200" rtl="0" eaLnBrk="1" fontAlgn="base" hangingPunct="1">
+              <a:spcBef>
+                <a:spcPct val="20000"/>
+              </a:spcBef>
+              <a:spcAft>
+                <a:spcPct val="0"/>
+              </a:spcAft>
+              <a:buFont typeface="Arial" charset="0"/>
+              <a:buChar char="•"/>
+              <a:defRPr sz="2400" kern="1200">
+                <a:solidFill>
+                  <a:schemeClr val="tx1"/>
+                </a:solidFill>
+                <a:latin typeface="+mn-lt"/>
+                <a:ea typeface="ＭＳ Ｐゴシック" pitchFamily="-128" charset="-128"/>
+                <a:cs typeface="+mn-cs"/>
+              </a:defRPr>
+            </a:lvl3pPr>
+            <a:lvl4pPr marL="1600200" indent="-228600" algn="l" defTabSz="457200" rtl="0" eaLnBrk="1" fontAlgn="base" hangingPunct="1">
+              <a:spcBef>
+                <a:spcPct val="20000"/>
+              </a:spcBef>
+              <a:spcAft>
+                <a:spcPct val="0"/>
+              </a:spcAft>
+              <a:buFont typeface="Arial" charset="0"/>
+              <a:buChar char="–"/>
+              <a:defRPr sz="2000" kern="1200">
+                <a:solidFill>
+                  <a:schemeClr val="tx1"/>
+                </a:solidFill>
+                <a:latin typeface="+mn-lt"/>
+                <a:ea typeface="ＭＳ Ｐゴシック" pitchFamily="-128" charset="-128"/>
+                <a:cs typeface="+mn-cs"/>
+              </a:defRPr>
+            </a:lvl4pPr>
+            <a:lvl5pPr marL="2057400" indent="-228600" algn="l" defTabSz="457200" rtl="0" eaLnBrk="1" fontAlgn="base" hangingPunct="1">
+              <a:spcBef>
+                <a:spcPct val="20000"/>
+              </a:spcBef>
+              <a:spcAft>
+                <a:spcPct val="0"/>
+              </a:spcAft>
+              <a:buFont typeface="Arial" charset="0"/>
+              <a:buChar char="»"/>
+              <a:defRPr sz="2000" kern="1200">
+                <a:solidFill>
+                  <a:schemeClr val="tx1"/>
+                </a:solidFill>
+                <a:latin typeface="+mn-lt"/>
+                <a:ea typeface="ＭＳ Ｐゴシック" pitchFamily="-128" charset="-128"/>
+                <a:cs typeface="+mn-cs"/>
+              </a:defRPr>
+            </a:lvl5pPr>
+            <a:lvl6pPr marL="2514600" indent="-228600" algn="l" defTabSz="457200" rtl="0" eaLnBrk="1" latinLnBrk="0" hangingPunct="1">
+              <a:spcBef>
+                <a:spcPct val="20000"/>
+              </a:spcBef>
+              <a:buFont typeface="Arial"/>
+              <a:buChar char="•"/>
+              <a:defRPr sz="2000" kern="1200">
+                <a:solidFill>
+                  <a:schemeClr val="tx1"/>
+                </a:solidFill>
+                <a:latin typeface="+mn-lt"/>
+                <a:ea typeface="+mn-ea"/>
+                <a:cs typeface="+mn-cs"/>
+              </a:defRPr>
+            </a:lvl6pPr>
+            <a:lvl7pPr marL="2971800" indent="-228600" algn="l" defTabSz="457200" rtl="0" eaLnBrk="1" latinLnBrk="0" hangingPunct="1">
+              <a:spcBef>
+                <a:spcPct val="20000"/>
+              </a:spcBef>
+              <a:buFont typeface="Arial"/>
+              <a:buChar char="•"/>
+              <a:defRPr sz="2000" kern="1200">
+                <a:solidFill>
+                  <a:schemeClr val="tx1"/>
+                </a:solidFill>
+                <a:latin typeface="+mn-lt"/>
+                <a:ea typeface="+mn-ea"/>
+                <a:cs typeface="+mn-cs"/>
+              </a:defRPr>
+            </a:lvl7pPr>
+            <a:lvl8pPr marL="3429000" indent="-228600" algn="l" defTabSz="457200" rtl="0" eaLnBrk="1" latinLnBrk="0" hangingPunct="1">
+              <a:spcBef>
+                <a:spcPct val="20000"/>
+              </a:spcBef>
+              <a:buFont typeface="Arial"/>
+              <a:buChar char="•"/>
+              <a:defRPr sz="2000" kern="1200">
+                <a:solidFill>
+                  <a:schemeClr val="tx1"/>
+                </a:solidFill>
+                <a:latin typeface="+mn-lt"/>
+                <a:ea typeface="+mn-ea"/>
+                <a:cs typeface="+mn-cs"/>
+              </a:defRPr>
+            </a:lvl8pPr>
+            <a:lvl9pPr marL="3886200" indent="-228600" algn="l" defTabSz="457200" rtl="0" eaLnBrk="1" latinLnBrk="0" hangingPunct="1">
+              <a:spcBef>
+                <a:spcPct val="20000"/>
+              </a:spcBef>
+              <a:buFont typeface="Arial"/>
+              <a:buChar char="•"/>
+              <a:defRPr sz="2000" kern="1200">
+                <a:solidFill>
+                  <a:schemeClr val="tx1"/>
+                </a:solidFill>
+                <a:latin typeface="+mn-lt"/>
+                <a:ea typeface="+mn-ea"/>
+                <a:cs typeface="+mn-cs"/>
+              </a:defRPr>
+            </a:lvl9pPr>
+          </a:lstStyle>
+          <a:p>
+            <a:r>
+              <a:rPr lang="it-IT" dirty="0"/>
+              <a:t>HTTP Client</a:t>
+            </a:r>
+            <a:endParaRPr lang="it-CH" dirty="0"/>
           </a:p>
         </p:txBody>
       </p:sp>
@@ -8362,8 +8906,8 @@
         </p:blipFill>
         <p:spPr>
           <a:xfrm>
-            <a:off x="827584" y="1196913"/>
-            <a:ext cx="6840545" cy="2110459"/>
+            <a:off x="721217" y="1116290"/>
+            <a:ext cx="7701566" cy="2376103"/>
           </a:xfrm>
           <a:prstGeom prst="rect">
             <a:avLst/>
@@ -8372,34 +8916,46 @@
       </p:pic>
       <p:sp>
         <p:nvSpPr>
-          <p:cNvPr id="3" name="CasellaDiTesto 2">
+          <p:cNvPr id="4" name="Segnaposto testo 2">
             <a:extLst>
               <a:ext uri="{FF2B5EF4-FFF2-40B4-BE49-F238E27FC236}">
-                <a16:creationId xmlns:a16="http://schemas.microsoft.com/office/drawing/2014/main" id="{B701E842-91CC-6646-044A-76F088A6957C}"/>
+                <a16:creationId xmlns:a16="http://schemas.microsoft.com/office/drawing/2014/main" id="{3ACC0C1D-8450-FEDD-22F9-8000E0C73ED0}"/>
               </a:ext>
             </a:extLst>
           </p:cNvPr>
-          <p:cNvSpPr txBox="1"/>
+          <p:cNvSpPr txBox="1">
+            <a:spLocks/>
+          </p:cNvSpPr>
           <p:nvPr/>
         </p:nvSpPr>
         <p:spPr>
           <a:xfrm>
-            <a:off x="817426" y="556260"/>
-            <a:ext cx="3888432" cy="507831"/>
+            <a:off x="359532" y="620688"/>
+            <a:ext cx="7848872" cy="929048"/>
           </a:xfrm>
           <a:prstGeom prst="rect">
             <a:avLst/>
           </a:prstGeom>
-          <a:noFill/>
         </p:spPr>
         <p:txBody>
-          <a:bodyPr wrap="square" rtlCol="0">
-            <a:spAutoFit/>
-          </a:bodyPr>
-          <a:lstStyle/>
-          <a:p>
-            <a:r>
-              <a:rPr lang="it-IT" sz="2700" dirty="0">
+          <a:bodyPr lIns="0" tIns="0" rIns="0" bIns="0"/>
+          <a:lstStyle>
+            <a:lvl1pPr marL="342900" marR="0" indent="-342900" algn="l" defTabSz="457200" rtl="0" eaLnBrk="0" fontAlgn="base" latinLnBrk="0" hangingPunct="0">
+              <a:lnSpc>
+                <a:spcPct val="100000"/>
+              </a:lnSpc>
+              <a:spcBef>
+                <a:spcPct val="20000"/>
+              </a:spcBef>
+              <a:spcAft>
+                <a:spcPct val="0"/>
+              </a:spcAft>
+              <a:buClrTx/>
+              <a:buSzTx/>
+              <a:buFont typeface="Arial" charset="0"/>
+              <a:buNone/>
+              <a:tabLst/>
+              <a:defRPr sz="2700" kern="1200" baseline="0">
                 <a:solidFill>
                   <a:schemeClr val="accent6">
                     <a:lumMod val="75000"/>
@@ -8407,18 +8963,148 @@
                 </a:solidFill>
                 <a:latin typeface="+mn-lt"/>
                 <a:ea typeface="ＭＳ Ｐゴシック" pitchFamily="-128" charset="-128"/>
-              </a:rPr>
+                <a:cs typeface="ＭＳ Ｐゴシック" pitchFamily="-128" charset="-128"/>
+              </a:defRPr>
+            </a:lvl1pPr>
+            <a:lvl2pPr marL="742950" indent="-285750" algn="l" defTabSz="457200" rtl="0" eaLnBrk="1" fontAlgn="base" hangingPunct="1">
+              <a:spcBef>
+                <a:spcPct val="20000"/>
+              </a:spcBef>
+              <a:spcAft>
+                <a:spcPct val="0"/>
+              </a:spcAft>
+              <a:buFont typeface="Arial" charset="0"/>
+              <a:buChar char="–"/>
+              <a:defRPr sz="2800" kern="1200">
+                <a:solidFill>
+                  <a:schemeClr val="tx1"/>
+                </a:solidFill>
+                <a:latin typeface="+mn-lt"/>
+                <a:ea typeface="ＭＳ Ｐゴシック" pitchFamily="-128" charset="-128"/>
+                <a:cs typeface="+mn-cs"/>
+              </a:defRPr>
+            </a:lvl2pPr>
+            <a:lvl3pPr marL="1143000" indent="-228600" algn="l" defTabSz="457200" rtl="0" eaLnBrk="1" fontAlgn="base" hangingPunct="1">
+              <a:spcBef>
+                <a:spcPct val="20000"/>
+              </a:spcBef>
+              <a:spcAft>
+                <a:spcPct val="0"/>
+              </a:spcAft>
+              <a:buFont typeface="Arial" charset="0"/>
+              <a:buChar char="•"/>
+              <a:defRPr sz="2400" kern="1200">
+                <a:solidFill>
+                  <a:schemeClr val="tx1"/>
+                </a:solidFill>
+                <a:latin typeface="+mn-lt"/>
+                <a:ea typeface="ＭＳ Ｐゴシック" pitchFamily="-128" charset="-128"/>
+                <a:cs typeface="+mn-cs"/>
+              </a:defRPr>
+            </a:lvl3pPr>
+            <a:lvl4pPr marL="1600200" indent="-228600" algn="l" defTabSz="457200" rtl="0" eaLnBrk="1" fontAlgn="base" hangingPunct="1">
+              <a:spcBef>
+                <a:spcPct val="20000"/>
+              </a:spcBef>
+              <a:spcAft>
+                <a:spcPct val="0"/>
+              </a:spcAft>
+              <a:buFont typeface="Arial" charset="0"/>
+              <a:buChar char="–"/>
+              <a:defRPr sz="2000" kern="1200">
+                <a:solidFill>
+                  <a:schemeClr val="tx1"/>
+                </a:solidFill>
+                <a:latin typeface="+mn-lt"/>
+                <a:ea typeface="ＭＳ Ｐゴシック" pitchFamily="-128" charset="-128"/>
+                <a:cs typeface="+mn-cs"/>
+              </a:defRPr>
+            </a:lvl4pPr>
+            <a:lvl5pPr marL="2057400" indent="-228600" algn="l" defTabSz="457200" rtl="0" eaLnBrk="1" fontAlgn="base" hangingPunct="1">
+              <a:spcBef>
+                <a:spcPct val="20000"/>
+              </a:spcBef>
+              <a:spcAft>
+                <a:spcPct val="0"/>
+              </a:spcAft>
+              <a:buFont typeface="Arial" charset="0"/>
+              <a:buChar char="»"/>
+              <a:defRPr sz="2000" kern="1200">
+                <a:solidFill>
+                  <a:schemeClr val="tx1"/>
+                </a:solidFill>
+                <a:latin typeface="+mn-lt"/>
+                <a:ea typeface="ＭＳ Ｐゴシック" pitchFamily="-128" charset="-128"/>
+                <a:cs typeface="+mn-cs"/>
+              </a:defRPr>
+            </a:lvl5pPr>
+            <a:lvl6pPr marL="2514600" indent="-228600" algn="l" defTabSz="457200" rtl="0" eaLnBrk="1" latinLnBrk="0" hangingPunct="1">
+              <a:spcBef>
+                <a:spcPct val="20000"/>
+              </a:spcBef>
+              <a:buFont typeface="Arial"/>
+              <a:buChar char="•"/>
+              <a:defRPr sz="2000" kern="1200">
+                <a:solidFill>
+                  <a:schemeClr val="tx1"/>
+                </a:solidFill>
+                <a:latin typeface="+mn-lt"/>
+                <a:ea typeface="+mn-ea"/>
+                <a:cs typeface="+mn-cs"/>
+              </a:defRPr>
+            </a:lvl6pPr>
+            <a:lvl7pPr marL="2971800" indent="-228600" algn="l" defTabSz="457200" rtl="0" eaLnBrk="1" latinLnBrk="0" hangingPunct="1">
+              <a:spcBef>
+                <a:spcPct val="20000"/>
+              </a:spcBef>
+              <a:buFont typeface="Arial"/>
+              <a:buChar char="•"/>
+              <a:defRPr sz="2000" kern="1200">
+                <a:solidFill>
+                  <a:schemeClr val="tx1"/>
+                </a:solidFill>
+                <a:latin typeface="+mn-lt"/>
+                <a:ea typeface="+mn-ea"/>
+                <a:cs typeface="+mn-cs"/>
+              </a:defRPr>
+            </a:lvl7pPr>
+            <a:lvl8pPr marL="3429000" indent="-228600" algn="l" defTabSz="457200" rtl="0" eaLnBrk="1" latinLnBrk="0" hangingPunct="1">
+              <a:spcBef>
+                <a:spcPct val="20000"/>
+              </a:spcBef>
+              <a:buFont typeface="Arial"/>
+              <a:buChar char="•"/>
+              <a:defRPr sz="2000" kern="1200">
+                <a:solidFill>
+                  <a:schemeClr val="tx1"/>
+                </a:solidFill>
+                <a:latin typeface="+mn-lt"/>
+                <a:ea typeface="+mn-ea"/>
+                <a:cs typeface="+mn-cs"/>
+              </a:defRPr>
+            </a:lvl8pPr>
+            <a:lvl9pPr marL="3886200" indent="-228600" algn="l" defTabSz="457200" rtl="0" eaLnBrk="1" latinLnBrk="0" hangingPunct="1">
+              <a:spcBef>
+                <a:spcPct val="20000"/>
+              </a:spcBef>
+              <a:buFont typeface="Arial"/>
+              <a:buChar char="•"/>
+              <a:defRPr sz="2000" kern="1200">
+                <a:solidFill>
+                  <a:schemeClr val="tx1"/>
+                </a:solidFill>
+                <a:latin typeface="+mn-lt"/>
+                <a:ea typeface="+mn-ea"/>
+                <a:cs typeface="+mn-cs"/>
+              </a:defRPr>
+            </a:lvl9pPr>
+          </a:lstStyle>
+          <a:p>
+            <a:r>
+              <a:rPr lang="it-IT" dirty="0"/>
               <a:t>HTTP Service</a:t>
             </a:r>
-            <a:endParaRPr lang="it-CH" sz="2700" dirty="0">
-              <a:solidFill>
-                <a:schemeClr val="accent6">
-                  <a:lumMod val="75000"/>
-                </a:schemeClr>
-              </a:solidFill>
-              <a:latin typeface="+mn-lt"/>
-              <a:ea typeface="ＭＳ Ｐゴシック" pitchFamily="-128" charset="-128"/>
-            </a:endParaRPr>
+            <a:endParaRPr lang="it-CH" dirty="0"/>
           </a:p>
         </p:txBody>
       </p:sp>
